--- a/final_presentation.pptx
+++ b/final_presentation.pptx
@@ -5,7 +5,7 @@
     <p:sldMasterId id="2147483648" r:id="rId1"/>
   </p:sldMasterIdLst>
   <p:notesMasterIdLst>
-    <p:notesMasterId r:id="rId9"/>
+    <p:notesMasterId r:id="rId10"/>
   </p:notesMasterIdLst>
   <p:sldIdLst>
     <p:sldId id="256" r:id="rId2"/>
@@ -13,8 +13,9 @@
     <p:sldId id="263" r:id="rId4"/>
     <p:sldId id="258" r:id="rId5"/>
     <p:sldId id="260" r:id="rId6"/>
-    <p:sldId id="261" r:id="rId7"/>
-    <p:sldId id="262" r:id="rId8"/>
+    <p:sldId id="264" r:id="rId7"/>
+    <p:sldId id="261" r:id="rId8"/>
+    <p:sldId id="262" r:id="rId9"/>
   </p:sldIdLst>
   <p:sldSz cx="12192000" cy="6858000"/>
   <p:notesSz cx="6858000" cy="9144000"/>
@@ -113,6 +114,11 @@
       </a:defRPr>
     </a:lvl9pPr>
   </p:defaultTextStyle>
+  <p:extLst>
+    <p:ext uri="{EFAFB233-063F-42B5-8137-9DF3F51BA10A}">
+      <p15:sldGuideLst xmlns:p15="http://schemas.microsoft.com/office/powerpoint/2012/main"/>
+    </p:ext>
+  </p:extLst>
 </p:presentation>
 </file>
 
@@ -510,11 +516,98 @@
           <a:lstStyle/>
           <a:p>
             <a:r>
+              <a:rPr lang="en-US" dirty="0"/>
+              <a:t>Hello everyone, I’m Yasamin Tabatabaee and in this tutorial I’m going to present my CS 410 course project which is a software for sentiment analysis on amazon product reviews. </a:t>
+            </a:r>
+          </a:p>
+        </p:txBody>
+      </p:sp>
+      <p:sp>
+        <p:nvSpPr>
+          <p:cNvPr id="4" name="Slide Number Placeholder 3"/>
+          <p:cNvSpPr>
+            <a:spLocks noGrp="1"/>
+          </p:cNvSpPr>
+          <p:nvPr>
+            <p:ph type="sldNum" sz="quarter" idx="5"/>
+          </p:nvPr>
+        </p:nvSpPr>
+        <p:spPr/>
+        <p:txBody>
+          <a:bodyPr/>
+          <a:lstStyle/>
+          <a:p>
+            <a:fld id="{AFF6C29B-F7B5-1841-8A7D-F13D96E8D2FB}" type="slidenum">
+              <a:rPr lang="en-US" smtClean="0"/>
+              <a:t>1</a:t>
+            </a:fld>
+            <a:endParaRPr lang="en-US"/>
+          </a:p>
+        </p:txBody>
+      </p:sp>
+    </p:spTree>
+    <p:extLst>
+      <p:ext uri="{BB962C8B-B14F-4D97-AF65-F5344CB8AC3E}">
+        <p14:creationId xmlns:p14="http://schemas.microsoft.com/office/powerpoint/2010/main" val="1005049218"/>
+      </p:ext>
+    </p:extLst>
+  </p:cSld>
+  <p:clrMapOvr>
+    <a:masterClrMapping/>
+  </p:clrMapOvr>
+</p:notes>
+</file>
+
+<file path=ppt/notesSlides/notesSlide2.xml><?xml version="1.0" encoding="utf-8"?>
+<p:notes xmlns:a="http://schemas.openxmlformats.org/drawingml/2006/main" xmlns:r="http://schemas.openxmlformats.org/officeDocument/2006/relationships" xmlns:p="http://schemas.openxmlformats.org/presentationml/2006/main">
+  <p:cSld>
+    <p:spTree>
+      <p:nvGrpSpPr>
+        <p:cNvPr id="1" name=""/>
+        <p:cNvGrpSpPr/>
+        <p:nvPr/>
+      </p:nvGrpSpPr>
+      <p:grpSpPr>
+        <a:xfrm>
+          <a:off x="0" y="0"/>
+          <a:ext cx="0" cy="0"/>
+          <a:chOff x="0" y="0"/>
+          <a:chExt cx="0" cy="0"/>
+        </a:xfrm>
+      </p:grpSpPr>
+      <p:sp>
+        <p:nvSpPr>
+          <p:cNvPr id="2" name="Slide Image Placeholder 1"/>
+          <p:cNvSpPr>
+            <a:spLocks noGrp="1" noRot="1" noChangeAspect="1"/>
+          </p:cNvSpPr>
+          <p:nvPr>
+            <p:ph type="sldImg"/>
+          </p:nvPr>
+        </p:nvSpPr>
+        <p:spPr/>
+      </p:sp>
+      <p:sp>
+        <p:nvSpPr>
+          <p:cNvPr id="3" name="Notes Placeholder 2"/>
+          <p:cNvSpPr>
+            <a:spLocks noGrp="1"/>
+          </p:cNvSpPr>
+          <p:nvPr>
+            <p:ph type="body" idx="1"/>
+          </p:nvPr>
+        </p:nvSpPr>
+        <p:spPr/>
+        <p:txBody>
+          <a:bodyPr/>
+          <a:lstStyle/>
+          <a:p>
+            <a:r>
               <a:rPr lang="en-US" sz="1200" dirty="0">
                 <a:effectLst/>
                 <a:latin typeface="ArialMT"/>
               </a:rPr>
-              <a:t>Sentiment analysis of textual data provides insight into the opinions, emotions and attitudes of people towards objects and topics.</a:t>
+              <a:t>There are various motivations for this project. Sentiment analysis of textual data provides insight into the opinions, emotions and attitudes of people towards objects and topics.</a:t>
             </a:r>
           </a:p>
           <a:p>
@@ -523,7 +616,16 @@
                 <a:effectLst/>
                 <a:latin typeface="ArialMT"/>
               </a:rPr>
-              <a:t> In the case of product reviews, it can be useful for marketing researchers and producers to understand the needs of users and the factors that contribute to their satisfaction or dissatisfaction of a product. Additionally, when new users want to buy a product, they are influenced by the reviews and ratings of previous users, so the reviews that a product gets can have a determining effect on how it performs in the market and can also be important to investors. Therefore, developing methods for sentiment analysis of customer reviews can be useful from many aspects. </a:t>
+              <a:t> In the case of product reviews, it can be useful for marketing researchers and producers to understand the needs of users and the factors that contribute to their satisfaction or dissatisfaction of a product. </a:t>
+            </a:r>
+          </a:p>
+          <a:p>
+            <a:r>
+              <a:rPr lang="en-US" sz="1200" dirty="0">
+                <a:effectLst/>
+                <a:latin typeface="ArialMT"/>
+              </a:rPr>
+              <a:t>Additionally, when new users want to buy a product, they are influenced by the reviews and ratings of previous users, so the reviews that a product gets can have a determining effect on how it performs in the market and can also be important to investors. Therefore, developing methods for sentiment analysis of customer reviews can be useful in many ways. </a:t>
             </a:r>
             <a:endParaRPr lang="en-US" dirty="0">
               <a:effectLst/>
@@ -561,6 +663,124 @@
     <p:extLst>
       <p:ext uri="{BB962C8B-B14F-4D97-AF65-F5344CB8AC3E}">
         <p14:creationId xmlns:p14="http://schemas.microsoft.com/office/powerpoint/2010/main" val="508514875"/>
+      </p:ext>
+    </p:extLst>
+  </p:cSld>
+  <p:clrMapOvr>
+    <a:masterClrMapping/>
+  </p:clrMapOvr>
+</p:notes>
+</file>
+
+<file path=ppt/notesSlides/notesSlide3.xml><?xml version="1.0" encoding="utf-8"?>
+<p:notes xmlns:a="http://schemas.openxmlformats.org/drawingml/2006/main" xmlns:r="http://schemas.openxmlformats.org/officeDocument/2006/relationships" xmlns:p="http://schemas.openxmlformats.org/presentationml/2006/main">
+  <p:cSld>
+    <p:spTree>
+      <p:nvGrpSpPr>
+        <p:cNvPr id="1" name=""/>
+        <p:cNvGrpSpPr/>
+        <p:nvPr/>
+      </p:nvGrpSpPr>
+      <p:grpSpPr>
+        <a:xfrm>
+          <a:off x="0" y="0"/>
+          <a:ext cx="0" cy="0"/>
+          <a:chOff x="0" y="0"/>
+          <a:chExt cx="0" cy="0"/>
+        </a:xfrm>
+      </p:grpSpPr>
+      <p:sp>
+        <p:nvSpPr>
+          <p:cNvPr id="2" name="Slide Image Placeholder 1"/>
+          <p:cNvSpPr>
+            <a:spLocks noGrp="1" noRot="1" noChangeAspect="1"/>
+          </p:cNvSpPr>
+          <p:nvPr>
+            <p:ph type="sldImg"/>
+          </p:nvPr>
+        </p:nvSpPr>
+        <p:spPr/>
+      </p:sp>
+      <p:sp>
+        <p:nvSpPr>
+          <p:cNvPr id="3" name="Notes Placeholder 2"/>
+          <p:cNvSpPr>
+            <a:spLocks noGrp="1"/>
+          </p:cNvSpPr>
+          <p:nvPr>
+            <p:ph type="body" idx="1"/>
+          </p:nvPr>
+        </p:nvSpPr>
+        <p:spPr/>
+        <p:txBody>
+          <a:bodyPr/>
+          <a:lstStyle/>
+          <a:p>
+            <a:r>
+              <a:rPr lang="en-US" dirty="0"/>
+              <a:t>To run the software, you can simply open a command line in the project directory and run the command </a:t>
+            </a:r>
+            <a:r>
+              <a:rPr lang="en-US" sz="1200" dirty="0">
+                <a:solidFill>
+                  <a:schemeClr val="accent2">
+                    <a:lumMod val="75000"/>
+                  </a:schemeClr>
+                </a:solidFill>
+              </a:rPr>
+              <a:t>python3 </a:t>
+            </a:r>
+            <a:r>
+              <a:rPr lang="en-US" sz="1200" dirty="0" err="1">
+                <a:solidFill>
+                  <a:schemeClr val="accent2">
+                    <a:lumMod val="75000"/>
+                  </a:schemeClr>
+                </a:solidFill>
+              </a:rPr>
+              <a:t>sentiment_analyzer.py</a:t>
+            </a:r>
+            <a:r>
+              <a:rPr lang="en-US" sz="1200" dirty="0">
+                <a:solidFill>
+                  <a:schemeClr val="accent2">
+                    <a:lumMod val="75000"/>
+                  </a:schemeClr>
+                </a:solidFill>
+              </a:rPr>
+              <a:t>. The software is implemented with the library questionary, and takes a review and a classifier as input and predicts the sentiment of a review, we will next show an example of the usage of the software</a:t>
+            </a:r>
+            <a:endParaRPr lang="en-US" dirty="0"/>
+          </a:p>
+        </p:txBody>
+      </p:sp>
+      <p:sp>
+        <p:nvSpPr>
+          <p:cNvPr id="4" name="Slide Number Placeholder 3"/>
+          <p:cNvSpPr>
+            <a:spLocks noGrp="1"/>
+          </p:cNvSpPr>
+          <p:nvPr>
+            <p:ph type="sldNum" sz="quarter" idx="5"/>
+          </p:nvPr>
+        </p:nvSpPr>
+        <p:spPr/>
+        <p:txBody>
+          <a:bodyPr/>
+          <a:lstStyle/>
+          <a:p>
+            <a:fld id="{AFF6C29B-F7B5-1841-8A7D-F13D96E8D2FB}" type="slidenum">
+              <a:rPr lang="en-US" smtClean="0"/>
+              <a:t>6</a:t>
+            </a:fld>
+            <a:endParaRPr lang="en-US"/>
+          </a:p>
+        </p:txBody>
+      </p:sp>
+    </p:spTree>
+    <p:extLst>
+      <p:ext uri="{BB962C8B-B14F-4D97-AF65-F5344CB8AC3E}">
+        <p14:creationId xmlns:p14="http://schemas.microsoft.com/office/powerpoint/2010/main" val="113318555"/>
       </p:ext>
     </p:extLst>
   </p:cSld>
@@ -4103,7 +4323,7 @@
                   </a:schemeClr>
                 </a:solidFill>
               </a:rPr>
-              <a:t>CS410 Final course project presentation</a:t>
+              <a:t>CS410 Final course project presentation, Fall 2023</a:t>
             </a:r>
           </a:p>
         </p:txBody>
@@ -4202,7 +4422,7 @@
               <a:rPr lang="en-US" sz="2400" dirty="0">
                 <a:effectLst/>
               </a:rPr>
-              <a:t>Sentiment analysis of textual data provides insight into the </a:t>
+              <a:t>Sentiment analysis of text data provides insight into the </a:t>
             </a:r>
             <a:r>
               <a:rPr lang="en-US" sz="2400" dirty="0">
@@ -5165,7 +5385,7 @@
         </p:spPr>
         <p:txBody>
           <a:bodyPr>
-            <a:normAutofit/>
+            <a:noAutofit/>
           </a:bodyPr>
           <a:lstStyle/>
           <a:p>
@@ -5182,12 +5402,375 @@
             <a:endParaRPr lang="en-US" sz="2000" dirty="0"/>
           </a:p>
           <a:p>
+            <a:endParaRPr lang="en-US" sz="2000" dirty="0"/>
+          </a:p>
+          <a:p>
             <a:r>
               <a:rPr lang="en-US" sz="2000" dirty="0"/>
-              <a:t>The code is implemented in Python 3, and uses the following packages:</a:t>
-            </a:r>
-          </a:p>
-          <a:p>
+              <a:t>The code is implemented in Python 3, and uses the following packages: </a:t>
+            </a:r>
+            <a:r>
+              <a:rPr lang="en-US" sz="2000" b="0" i="0" dirty="0">
+                <a:solidFill>
+                  <a:srgbClr val="1F2328"/>
+                </a:solidFill>
+                <a:effectLst/>
+                <a:latin typeface="-apple-system"/>
+              </a:rPr>
+              <a:t> </a:t>
+            </a:r>
+            <a:r>
+              <a:rPr lang="en-US" sz="2000" b="0" i="0" u="sng" dirty="0">
+                <a:effectLst/>
+                <a:latin typeface="-apple-system"/>
+                <a:hlinkClick r:id="rId3"/>
+              </a:rPr>
+              <a:t>scikit-learn (v1.2.2)</a:t>
+            </a:r>
+            <a:r>
+              <a:rPr lang="en-US" sz="2000" b="0" i="0" dirty="0">
+                <a:solidFill>
+                  <a:srgbClr val="1F2328"/>
+                </a:solidFill>
+                <a:effectLst/>
+                <a:latin typeface="-apple-system"/>
+              </a:rPr>
+              <a:t>, </a:t>
+            </a:r>
+            <a:r>
+              <a:rPr lang="en-US" sz="2000" b="0" i="0" u="sng" dirty="0">
+                <a:effectLst/>
+                <a:latin typeface="-apple-system"/>
+                <a:hlinkClick r:id="rId4"/>
+              </a:rPr>
+              <a:t>questionary</a:t>
+            </a:r>
+            <a:r>
+              <a:rPr lang="en-US" sz="2000" b="0" i="0" dirty="0">
+                <a:solidFill>
+                  <a:srgbClr val="1F2328"/>
+                </a:solidFill>
+                <a:effectLst/>
+                <a:latin typeface="-apple-system"/>
+              </a:rPr>
+              <a:t>, </a:t>
+            </a:r>
+            <a:r>
+              <a:rPr lang="en-US" sz="2000" b="0" i="0" u="sng" dirty="0">
+                <a:effectLst/>
+                <a:latin typeface="-apple-system"/>
+                <a:hlinkClick r:id="rId5"/>
+              </a:rPr>
+              <a:t>nltk</a:t>
+            </a:r>
+            <a:r>
+              <a:rPr lang="en-US" sz="2000" b="0" i="0" dirty="0">
+                <a:solidFill>
+                  <a:srgbClr val="1F2328"/>
+                </a:solidFill>
+                <a:effectLst/>
+                <a:latin typeface="-apple-system"/>
+              </a:rPr>
+              <a:t>, </a:t>
+            </a:r>
+            <a:r>
+              <a:rPr lang="en-US" sz="2000" b="0" i="0" u="sng" dirty="0">
+                <a:effectLst/>
+                <a:latin typeface="-apple-system"/>
+                <a:hlinkClick r:id="rId6"/>
+              </a:rPr>
+              <a:t>Numpy</a:t>
+            </a:r>
+            <a:r>
+              <a:rPr lang="en-US" sz="2000" b="0" i="0" dirty="0">
+                <a:solidFill>
+                  <a:srgbClr val="1F2328"/>
+                </a:solidFill>
+                <a:effectLst/>
+                <a:latin typeface="-apple-system"/>
+              </a:rPr>
+              <a:t>, </a:t>
+            </a:r>
+            <a:r>
+              <a:rPr lang="en-US" sz="2000" b="0" i="0" u="sng" dirty="0">
+                <a:effectLst/>
+                <a:latin typeface="-apple-system"/>
+                <a:hlinkClick r:id="rId7"/>
+              </a:rPr>
+              <a:t>Pandas</a:t>
+            </a:r>
+            <a:r>
+              <a:rPr lang="en-US" sz="2000" b="0" i="0" dirty="0">
+                <a:solidFill>
+                  <a:srgbClr val="1F2328"/>
+                </a:solidFill>
+                <a:effectLst/>
+                <a:latin typeface="-apple-system"/>
+              </a:rPr>
+              <a:t>, </a:t>
+            </a:r>
+            <a:r>
+              <a:rPr lang="en-US" sz="2000" b="0" i="0" u="sng" dirty="0">
+                <a:effectLst/>
+                <a:latin typeface="-apple-system"/>
+                <a:hlinkClick r:id="rId8"/>
+              </a:rPr>
+              <a:t>seaborn (v0.13.0+)</a:t>
+            </a:r>
+            <a:r>
+              <a:rPr lang="en-US" sz="2000" b="0" i="0" dirty="0">
+                <a:solidFill>
+                  <a:srgbClr val="1F2328"/>
+                </a:solidFill>
+                <a:effectLst/>
+                <a:latin typeface="-apple-system"/>
+              </a:rPr>
+              <a:t>, </a:t>
+            </a:r>
+            <a:r>
+              <a:rPr lang="en-US" sz="2000" b="0" i="0" u="sng" dirty="0">
+                <a:effectLst/>
+                <a:latin typeface="-apple-system"/>
+                <a:hlinkClick r:id="rId9"/>
+              </a:rPr>
+              <a:t>wordcloud</a:t>
+            </a:r>
+            <a:r>
+              <a:rPr lang="en-US" sz="2000" b="0" i="0" dirty="0">
+                <a:solidFill>
+                  <a:srgbClr val="1F2328"/>
+                </a:solidFill>
+                <a:effectLst/>
+                <a:latin typeface="-apple-system"/>
+              </a:rPr>
+              <a:t> and </a:t>
+            </a:r>
+            <a:r>
+              <a:rPr lang="en-US" sz="2000" b="0" i="0" u="sng" dirty="0">
+                <a:effectLst/>
+                <a:latin typeface="-apple-system"/>
+                <a:hlinkClick r:id="rId10"/>
+              </a:rPr>
+              <a:t>Matplotlib</a:t>
+            </a:r>
+            <a:r>
+              <a:rPr lang="en-US" sz="2000" b="0" i="0" dirty="0">
+                <a:solidFill>
+                  <a:srgbClr val="1F2328"/>
+                </a:solidFill>
+                <a:effectLst/>
+                <a:latin typeface="-apple-system"/>
+              </a:rPr>
+              <a:t>.</a:t>
+            </a:r>
+            <a:endParaRPr lang="en-US" sz="2000" dirty="0"/>
+          </a:p>
+          <a:p>
+            <a:pPr marL="0" indent="0">
+              <a:buNone/>
+            </a:pPr>
+            <a:r>
+              <a:rPr lang="en-US" sz="2000" b="0" i="0" dirty="0">
+                <a:solidFill>
+                  <a:srgbClr val="1F2328"/>
+                </a:solidFill>
+                <a:effectLst/>
+                <a:latin typeface="-apple-system"/>
+              </a:rPr>
+              <a:t> </a:t>
+            </a:r>
+            <a:endParaRPr lang="en-US" sz="2000" dirty="0">
+              <a:solidFill>
+                <a:srgbClr val="1F2328"/>
+              </a:solidFill>
+              <a:latin typeface="-apple-system"/>
+            </a:endParaRPr>
+          </a:p>
+          <a:p>
+            <a:r>
+              <a:rPr lang="en-US" sz="2000" b="0" i="0" dirty="0">
+                <a:solidFill>
+                  <a:srgbClr val="1F2328"/>
+                </a:solidFill>
+                <a:effectLst/>
+                <a:latin typeface="-apple-system"/>
+              </a:rPr>
+              <a:t>The </a:t>
+            </a:r>
+            <a:r>
+              <a:rPr lang="en-US" sz="2000" b="0" i="0" dirty="0" err="1">
+                <a:solidFill>
+                  <a:srgbClr val="1F2328"/>
+                </a:solidFill>
+                <a:effectLst/>
+                <a:latin typeface="-apple-system"/>
+              </a:rPr>
+              <a:t>jupyter</a:t>
+            </a:r>
+            <a:r>
+              <a:rPr lang="en-US" sz="2000" b="0" i="0" dirty="0">
+                <a:solidFill>
+                  <a:srgbClr val="1F2328"/>
+                </a:solidFill>
+                <a:effectLst/>
+                <a:latin typeface="-apple-system"/>
+              </a:rPr>
+              <a:t> notebook </a:t>
+            </a:r>
+            <a:r>
+              <a:rPr lang="en-US" sz="2000" b="0" i="0" u="sng" dirty="0">
+                <a:effectLst/>
+                <a:latin typeface="-apple-system"/>
+                <a:hlinkClick r:id="rId11"/>
+              </a:rPr>
+              <a:t>/src/Amazon_reviews_analysis.ipynb</a:t>
+            </a:r>
+            <a:r>
+              <a:rPr lang="en-US" sz="2000" b="0" i="0" dirty="0">
+                <a:solidFill>
+                  <a:srgbClr val="1F2328"/>
+                </a:solidFill>
+                <a:effectLst/>
+                <a:latin typeface="-apple-system"/>
+              </a:rPr>
+              <a:t> contains a report on the results of the data analysis on the Amazon review data and training the sentiment analysis classifiers.</a:t>
+            </a:r>
+          </a:p>
+          <a:p>
+            <a:endParaRPr lang="en-US" sz="2000" dirty="0">
+              <a:solidFill>
+                <a:srgbClr val="1F2328"/>
+              </a:solidFill>
+              <a:latin typeface="-apple-system"/>
+            </a:endParaRPr>
+          </a:p>
+          <a:p>
+            <a:r>
+              <a:rPr lang="en-US" sz="2000" dirty="0">
+                <a:solidFill>
+                  <a:srgbClr val="1F2328"/>
+                </a:solidFill>
+                <a:latin typeface="-apple-system"/>
+              </a:rPr>
+              <a:t>The final software is </a:t>
+            </a:r>
+            <a:r>
+              <a:rPr lang="en-US" sz="2000" b="0" i="0" u="sng" dirty="0" err="1">
+                <a:solidFill>
+                  <a:schemeClr val="accent1"/>
+                </a:solidFill>
+                <a:effectLst/>
+                <a:latin typeface="-apple-system"/>
+              </a:rPr>
+              <a:t>sentiment_analyzer.py</a:t>
+            </a:r>
+            <a:r>
+              <a:rPr lang="en-US" sz="2000" dirty="0">
+                <a:solidFill>
+                  <a:srgbClr val="1F2328"/>
+                </a:solidFill>
+                <a:latin typeface="-apple-system"/>
+              </a:rPr>
+              <a:t> ,</a:t>
+            </a:r>
+            <a:r>
+              <a:rPr lang="en-US" sz="2000" b="0" i="0" dirty="0">
+                <a:solidFill>
+                  <a:srgbClr val="1F2328"/>
+                </a:solidFill>
+                <a:effectLst/>
+                <a:latin typeface="-apple-system"/>
+              </a:rPr>
+              <a:t> </a:t>
+            </a:r>
+            <a:r>
+              <a:rPr lang="en-US" sz="2000" b="0" i="0" u="sng" dirty="0">
+                <a:solidFill>
+                  <a:schemeClr val="accent1"/>
+                </a:solidFill>
+                <a:effectLst/>
+                <a:latin typeface="-apple-system"/>
+                <a:hlinkClick r:id="rId11">
+                  <a:extLst>
+                    <a:ext uri="{A12FA001-AC4F-418D-AE19-62706E023703}">
+                      <ahyp:hlinkClr xmlns:ahyp="http://schemas.microsoft.com/office/drawing/2018/hyperlinkcolor" val="tx"/>
+                    </a:ext>
+                  </a:extLst>
+                </a:hlinkClick>
+              </a:rPr>
+              <a:t>/src/</a:t>
+            </a:r>
+            <a:r>
+              <a:rPr lang="en-US" sz="2000" b="0" i="0" u="sng" dirty="0" err="1">
+                <a:solidFill>
+                  <a:schemeClr val="accent1"/>
+                </a:solidFill>
+                <a:effectLst/>
+                <a:latin typeface="-apple-system"/>
+              </a:rPr>
+              <a:t>preprcessing.py</a:t>
+            </a:r>
+            <a:r>
+              <a:rPr lang="en-US" sz="2000" b="0" i="0" dirty="0">
+                <a:solidFill>
+                  <a:schemeClr val="accent1"/>
+                </a:solidFill>
+                <a:effectLst/>
+                <a:latin typeface="-apple-system"/>
+              </a:rPr>
+              <a:t> </a:t>
+            </a:r>
+            <a:r>
+              <a:rPr lang="en-US" sz="2000" b="0" i="0" dirty="0">
+                <a:effectLst/>
+                <a:latin typeface="-apple-system"/>
+              </a:rPr>
+              <a:t>includes the code for preprocessing the review data and </a:t>
+            </a:r>
+            <a:r>
+              <a:rPr lang="en-US" sz="2000" b="0" i="0" u="sng" dirty="0">
+                <a:solidFill>
+                  <a:schemeClr val="accent1"/>
+                </a:solidFill>
+                <a:effectLst/>
+                <a:latin typeface="-apple-system"/>
+                <a:hlinkClick r:id="rId11">
+                  <a:extLst>
+                    <a:ext uri="{A12FA001-AC4F-418D-AE19-62706E023703}">
+                      <ahyp:hlinkClr xmlns:ahyp="http://schemas.microsoft.com/office/drawing/2018/hyperlinkcolor" val="tx"/>
+                    </a:ext>
+                  </a:extLst>
+                </a:hlinkClick>
+              </a:rPr>
+              <a:t>/src/</a:t>
+            </a:r>
+            <a:r>
+              <a:rPr lang="en-US" sz="2000" b="0" i="0" u="sng" dirty="0" err="1">
+                <a:solidFill>
+                  <a:schemeClr val="accent1"/>
+                </a:solidFill>
+                <a:effectLst/>
+                <a:latin typeface="-apple-system"/>
+              </a:rPr>
+              <a:t>training.py</a:t>
+            </a:r>
+            <a:r>
+              <a:rPr lang="en-US" sz="2000" b="0" i="0" dirty="0">
+                <a:solidFill>
+                  <a:schemeClr val="accent1"/>
+                </a:solidFill>
+                <a:effectLst/>
+                <a:latin typeface="-apple-system"/>
+              </a:rPr>
+              <a:t> </a:t>
+            </a:r>
+            <a:r>
+              <a:rPr lang="en-US" sz="2000" b="0" i="0" dirty="0">
+                <a:effectLst/>
+                <a:latin typeface="-apple-system"/>
+              </a:rPr>
+              <a:t>includes the code for training the classifiers.</a:t>
+            </a:r>
             <a:endParaRPr lang="en-US" sz="2000" dirty="0"/>
           </a:p>
         </p:txBody>
@@ -5284,7 +5867,7 @@
           <p:cNvPr id="2" name="Title 1">
             <a:extLst>
               <a:ext uri="{FF2B5EF4-FFF2-40B4-BE49-F238E27FC236}">
-                <a16:creationId xmlns:a16="http://schemas.microsoft.com/office/drawing/2014/main" id="{2DC70F75-0629-C9DB-085D-C4329294E4B0}"/>
+                <a16:creationId xmlns:a16="http://schemas.microsoft.com/office/drawing/2014/main" id="{0E764D27-F734-842D-5786-45E8722179B5}"/>
               </a:ext>
             </a:extLst>
           </p:cNvPr>
@@ -5297,30 +5880,134 @@
         </p:nvSpPr>
         <p:spPr>
           <a:xfrm>
-            <a:off x="838200" y="2471761"/>
+            <a:off x="838200" y="-14381"/>
             <a:ext cx="10515600" cy="1325563"/>
           </a:xfrm>
         </p:spPr>
         <p:txBody>
+          <a:bodyPr/>
+          <a:lstStyle/>
+          <a:p>
+            <a:pPr algn="ctr"/>
+            <a:r>
+              <a:rPr lang="en-US" dirty="0"/>
+              <a:t>Software</a:t>
+            </a:r>
+          </a:p>
+        </p:txBody>
+      </p:sp>
+      <p:sp>
+        <p:nvSpPr>
+          <p:cNvPr id="3" name="Content Placeholder 2">
+            <a:extLst>
+              <a:ext uri="{FF2B5EF4-FFF2-40B4-BE49-F238E27FC236}">
+                <a16:creationId xmlns:a16="http://schemas.microsoft.com/office/drawing/2014/main" id="{202C7F7A-4C29-7552-F83F-36527DE39B28}"/>
+              </a:ext>
+            </a:extLst>
+          </p:cNvPr>
+          <p:cNvSpPr>
+            <a:spLocks noGrp="1"/>
+          </p:cNvSpPr>
+          <p:nvPr>
+            <p:ph idx="1"/>
+          </p:nvPr>
+        </p:nvSpPr>
+        <p:spPr>
+          <a:xfrm>
+            <a:off x="838200" y="1311182"/>
+            <a:ext cx="10515600" cy="4351338"/>
+          </a:xfrm>
+        </p:spPr>
+        <p:txBody>
           <a:bodyPr>
             <a:normAutofit/>
           </a:bodyPr>
           <a:lstStyle/>
           <a:p>
-            <a:pPr algn="ctr"/>
-            <a:r>
-              <a:rPr lang="en-US" sz="4800" dirty="0"/>
-              <a:t>Software Usage</a:t>
-            </a:r>
-          </a:p>
-        </p:txBody>
-      </p:sp>
-      <p:sp>
-        <p:nvSpPr>
-          <p:cNvPr id="4" name="Slide Number Placeholder 3">
-            <a:extLst>
-              <a:ext uri="{FF2B5EF4-FFF2-40B4-BE49-F238E27FC236}">
-                <a16:creationId xmlns:a16="http://schemas.microsoft.com/office/drawing/2014/main" id="{5AA9CBCE-CFDA-0E1D-D63E-9D4029309C10}"/>
+            <a:r>
+              <a:rPr lang="en-US" sz="2400" dirty="0"/>
+              <a:t>Run </a:t>
+            </a:r>
+            <a:r>
+              <a:rPr lang="en-US" sz="2400" dirty="0">
+                <a:solidFill>
+                  <a:schemeClr val="accent2">
+                    <a:lumMod val="75000"/>
+                  </a:schemeClr>
+                </a:solidFill>
+              </a:rPr>
+              <a:t>python3 </a:t>
+            </a:r>
+            <a:r>
+              <a:rPr lang="en-US" sz="2400" dirty="0" err="1">
+                <a:solidFill>
+                  <a:schemeClr val="accent2">
+                    <a:lumMod val="75000"/>
+                  </a:schemeClr>
+                </a:solidFill>
+              </a:rPr>
+              <a:t>sentiment_analyzer.py</a:t>
+            </a:r>
+            <a:r>
+              <a:rPr lang="en-US" sz="2400" dirty="0">
+                <a:solidFill>
+                  <a:schemeClr val="accent2">
+                    <a:lumMod val="75000"/>
+                  </a:schemeClr>
+                </a:solidFill>
+              </a:rPr>
+              <a:t> </a:t>
+            </a:r>
+            <a:r>
+              <a:rPr lang="en-US" sz="2400" dirty="0"/>
+              <a:t>in the command line.</a:t>
+            </a:r>
+          </a:p>
+          <a:p>
+            <a:r>
+              <a:rPr lang="en-US" sz="2400" dirty="0"/>
+              <a:t>The main software is implemented with questionary, and follows a series of questions that takes a review and a classifier as input and predicts the sentiment of a review</a:t>
+            </a:r>
+          </a:p>
+          <a:p>
+            <a:endParaRPr lang="en-US" sz="2400" dirty="0"/>
+          </a:p>
+        </p:txBody>
+      </p:sp>
+      <p:sp>
+        <p:nvSpPr>
+          <p:cNvPr id="4" name="Footer Placeholder 3">
+            <a:extLst>
+              <a:ext uri="{FF2B5EF4-FFF2-40B4-BE49-F238E27FC236}">
+                <a16:creationId xmlns:a16="http://schemas.microsoft.com/office/drawing/2014/main" id="{5865E4F1-0D2C-3CA9-C334-6A89DA36047A}"/>
+              </a:ext>
+            </a:extLst>
+          </p:cNvPr>
+          <p:cNvSpPr>
+            <a:spLocks noGrp="1"/>
+          </p:cNvSpPr>
+          <p:nvPr>
+            <p:ph type="ftr" sz="quarter" idx="11"/>
+          </p:nvPr>
+        </p:nvSpPr>
+        <p:spPr/>
+        <p:txBody>
+          <a:bodyPr/>
+          <a:lstStyle/>
+          <a:p>
+            <a:r>
+              <a:rPr lang="en-US"/>
+              <a:t>Sentiment anaysis on Amazon reviews</a:t>
+            </a:r>
+          </a:p>
+        </p:txBody>
+      </p:sp>
+      <p:sp>
+        <p:nvSpPr>
+          <p:cNvPr id="5" name="Slide Number Placeholder 4">
+            <a:extLst>
+              <a:ext uri="{FF2B5EF4-FFF2-40B4-BE49-F238E27FC236}">
+                <a16:creationId xmlns:a16="http://schemas.microsoft.com/office/drawing/2014/main" id="{424C1BED-A752-453F-ED86-9C303A543883}"/>
               </a:ext>
             </a:extLst>
           </p:cNvPr>
@@ -5344,38 +6031,40 @@
           </a:p>
         </p:txBody>
       </p:sp>
-      <p:sp>
-        <p:nvSpPr>
-          <p:cNvPr id="5" name="Footer Placeholder 4">
-            <a:extLst>
-              <a:ext uri="{FF2B5EF4-FFF2-40B4-BE49-F238E27FC236}">
-                <a16:creationId xmlns:a16="http://schemas.microsoft.com/office/drawing/2014/main" id="{1A38E110-80AD-9AE7-37BB-C48F5BEF1C57}"/>
-              </a:ext>
-            </a:extLst>
-          </p:cNvPr>
-          <p:cNvSpPr>
-            <a:spLocks noGrp="1"/>
-          </p:cNvSpPr>
-          <p:nvPr>
-            <p:ph type="ftr" sz="quarter" idx="11"/>
-          </p:nvPr>
-        </p:nvSpPr>
-        <p:spPr/>
-        <p:txBody>
-          <a:bodyPr/>
-          <a:lstStyle/>
-          <a:p>
-            <a:r>
-              <a:rPr lang="en-US"/>
-              <a:t>Sentiment anaysis on Amazon reviews</a:t>
-            </a:r>
-          </a:p>
-        </p:txBody>
-      </p:sp>
+      <p:pic>
+        <p:nvPicPr>
+          <p:cNvPr id="6" name="Picture 5">
+            <a:extLst>
+              <a:ext uri="{FF2B5EF4-FFF2-40B4-BE49-F238E27FC236}">
+                <a16:creationId xmlns:a16="http://schemas.microsoft.com/office/drawing/2014/main" id="{CBF9C922-EECE-69E6-62AD-EB545DE4485D}"/>
+              </a:ext>
+            </a:extLst>
+          </p:cNvPr>
+          <p:cNvPicPr>
+            <a:picLocks noChangeAspect="1"/>
+          </p:cNvPicPr>
+          <p:nvPr/>
+        </p:nvPicPr>
+        <p:blipFill>
+          <a:blip r:embed="rId3"/>
+          <a:stretch>
+            <a:fillRect/>
+          </a:stretch>
+        </p:blipFill>
+        <p:spPr>
+          <a:xfrm>
+            <a:off x="1360714" y="3042811"/>
+            <a:ext cx="9851796" cy="3068745"/>
+          </a:xfrm>
+          <a:prstGeom prst="rect">
+            <a:avLst/>
+          </a:prstGeom>
+        </p:spPr>
+      </p:pic>
     </p:spTree>
     <p:extLst>
       <p:ext uri="{BB962C8B-B14F-4D97-AF65-F5344CB8AC3E}">
-        <p14:creationId xmlns:p14="http://schemas.microsoft.com/office/powerpoint/2010/main" val="1466946448"/>
+        <p14:creationId xmlns:p14="http://schemas.microsoft.com/office/powerpoint/2010/main" val="2910417763"/>
       </p:ext>
     </p:extLst>
   </p:cSld>
@@ -5407,7 +6096,7 @@
           <p:cNvPr id="2" name="Title 1">
             <a:extLst>
               <a:ext uri="{FF2B5EF4-FFF2-40B4-BE49-F238E27FC236}">
-                <a16:creationId xmlns:a16="http://schemas.microsoft.com/office/drawing/2014/main" id="{EE1D4CA7-7C2D-D4DA-757A-7146B7E7C873}"/>
+                <a16:creationId xmlns:a16="http://schemas.microsoft.com/office/drawing/2014/main" id="{2DC70F75-0629-C9DB-085D-C4329294E4B0}"/>
               </a:ext>
             </a:extLst>
           </p:cNvPr>
@@ -5418,37 +6107,23 @@
             <p:ph type="title"/>
           </p:nvPr>
         </p:nvSpPr>
-        <p:spPr/>
-        <p:txBody>
-          <a:bodyPr/>
-          <a:lstStyle/>
-          <a:p>
-            <a:endParaRPr lang="en-US"/>
-          </a:p>
-        </p:txBody>
-      </p:sp>
-      <p:sp>
-        <p:nvSpPr>
-          <p:cNvPr id="3" name="Content Placeholder 2">
-            <a:extLst>
-              <a:ext uri="{FF2B5EF4-FFF2-40B4-BE49-F238E27FC236}">
-                <a16:creationId xmlns:a16="http://schemas.microsoft.com/office/drawing/2014/main" id="{1C523872-B18F-4415-5B02-3D68109B1E35}"/>
-              </a:ext>
-            </a:extLst>
-          </p:cNvPr>
-          <p:cNvSpPr>
-            <a:spLocks noGrp="1"/>
-          </p:cNvSpPr>
-          <p:nvPr>
-            <p:ph idx="1"/>
-          </p:nvPr>
-        </p:nvSpPr>
-        <p:spPr/>
-        <p:txBody>
-          <a:bodyPr/>
-          <a:lstStyle/>
-          <a:p>
-            <a:endParaRPr lang="en-US"/>
+        <p:spPr>
+          <a:xfrm>
+            <a:off x="838200" y="-37643"/>
+            <a:ext cx="10515600" cy="1325563"/>
+          </a:xfrm>
+        </p:spPr>
+        <p:txBody>
+          <a:bodyPr>
+            <a:normAutofit/>
+          </a:bodyPr>
+          <a:lstStyle/>
+          <a:p>
+            <a:pPr algn="ctr"/>
+            <a:r>
+              <a:rPr lang="en-US" dirty="0"/>
+              <a:t>Software Usage</a:t>
+            </a:r>
           </a:p>
         </p:txBody>
       </p:sp>
@@ -5457,7 +6132,7 @@
           <p:cNvPr id="4" name="Slide Number Placeholder 3">
             <a:extLst>
               <a:ext uri="{FF2B5EF4-FFF2-40B4-BE49-F238E27FC236}">
-                <a16:creationId xmlns:a16="http://schemas.microsoft.com/office/drawing/2014/main" id="{83BE866B-3859-FD1F-2C37-217D97BEF81C}"/>
+                <a16:creationId xmlns:a16="http://schemas.microsoft.com/office/drawing/2014/main" id="{5AA9CBCE-CFDA-0E1D-D63E-9D4029309C10}"/>
               </a:ext>
             </a:extLst>
           </p:cNvPr>
@@ -5476,6 +6151,143 @@
             <a:fld id="{FD43A098-DE63-E048-99F5-4E17AB970AEE}" type="slidenum">
               <a:rPr lang="en-US" smtClean="0"/>
               <a:t>7</a:t>
+            </a:fld>
+            <a:endParaRPr lang="en-US"/>
+          </a:p>
+        </p:txBody>
+      </p:sp>
+      <p:sp>
+        <p:nvSpPr>
+          <p:cNvPr id="5" name="Footer Placeholder 4">
+            <a:extLst>
+              <a:ext uri="{FF2B5EF4-FFF2-40B4-BE49-F238E27FC236}">
+                <a16:creationId xmlns:a16="http://schemas.microsoft.com/office/drawing/2014/main" id="{1A38E110-80AD-9AE7-37BB-C48F5BEF1C57}"/>
+              </a:ext>
+            </a:extLst>
+          </p:cNvPr>
+          <p:cNvSpPr>
+            <a:spLocks noGrp="1"/>
+          </p:cNvSpPr>
+          <p:nvPr>
+            <p:ph type="ftr" sz="quarter" idx="11"/>
+          </p:nvPr>
+        </p:nvSpPr>
+        <p:spPr/>
+        <p:txBody>
+          <a:bodyPr/>
+          <a:lstStyle/>
+          <a:p>
+            <a:r>
+              <a:rPr lang="en-US"/>
+              <a:t>Sentiment anaysis on Amazon reviews</a:t>
+            </a:r>
+          </a:p>
+        </p:txBody>
+      </p:sp>
+    </p:spTree>
+    <p:extLst>
+      <p:ext uri="{BB962C8B-B14F-4D97-AF65-F5344CB8AC3E}">
+        <p14:creationId xmlns:p14="http://schemas.microsoft.com/office/powerpoint/2010/main" val="1466946448"/>
+      </p:ext>
+    </p:extLst>
+  </p:cSld>
+  <p:clrMapOvr>
+    <a:masterClrMapping/>
+  </p:clrMapOvr>
+</p:sld>
+</file>
+
+<file path=ppt/slides/slide8.xml><?xml version="1.0" encoding="utf-8"?>
+<p:sld xmlns:a="http://schemas.openxmlformats.org/drawingml/2006/main" xmlns:r="http://schemas.openxmlformats.org/officeDocument/2006/relationships" xmlns:p="http://schemas.openxmlformats.org/presentationml/2006/main">
+  <p:cSld>
+    <p:spTree>
+      <p:nvGrpSpPr>
+        <p:cNvPr id="1" name=""/>
+        <p:cNvGrpSpPr/>
+        <p:nvPr/>
+      </p:nvGrpSpPr>
+      <p:grpSpPr>
+        <a:xfrm>
+          <a:off x="0" y="0"/>
+          <a:ext cx="0" cy="0"/>
+          <a:chOff x="0" y="0"/>
+          <a:chExt cx="0" cy="0"/>
+        </a:xfrm>
+      </p:grpSpPr>
+      <p:sp>
+        <p:nvSpPr>
+          <p:cNvPr id="2" name="Title 1">
+            <a:extLst>
+              <a:ext uri="{FF2B5EF4-FFF2-40B4-BE49-F238E27FC236}">
+                <a16:creationId xmlns:a16="http://schemas.microsoft.com/office/drawing/2014/main" id="{EE1D4CA7-7C2D-D4DA-757A-7146B7E7C873}"/>
+              </a:ext>
+            </a:extLst>
+          </p:cNvPr>
+          <p:cNvSpPr>
+            <a:spLocks noGrp="1"/>
+          </p:cNvSpPr>
+          <p:nvPr>
+            <p:ph type="title"/>
+          </p:nvPr>
+        </p:nvSpPr>
+        <p:spPr/>
+        <p:txBody>
+          <a:bodyPr/>
+          <a:lstStyle/>
+          <a:p>
+            <a:endParaRPr lang="en-US"/>
+          </a:p>
+        </p:txBody>
+      </p:sp>
+      <p:sp>
+        <p:nvSpPr>
+          <p:cNvPr id="3" name="Content Placeholder 2">
+            <a:extLst>
+              <a:ext uri="{FF2B5EF4-FFF2-40B4-BE49-F238E27FC236}">
+                <a16:creationId xmlns:a16="http://schemas.microsoft.com/office/drawing/2014/main" id="{1C523872-B18F-4415-5B02-3D68109B1E35}"/>
+              </a:ext>
+            </a:extLst>
+          </p:cNvPr>
+          <p:cNvSpPr>
+            <a:spLocks noGrp="1"/>
+          </p:cNvSpPr>
+          <p:nvPr>
+            <p:ph idx="1"/>
+          </p:nvPr>
+        </p:nvSpPr>
+        <p:spPr/>
+        <p:txBody>
+          <a:bodyPr/>
+          <a:lstStyle/>
+          <a:p>
+            <a:endParaRPr lang="en-US"/>
+          </a:p>
+        </p:txBody>
+      </p:sp>
+      <p:sp>
+        <p:nvSpPr>
+          <p:cNvPr id="4" name="Slide Number Placeholder 3">
+            <a:extLst>
+              <a:ext uri="{FF2B5EF4-FFF2-40B4-BE49-F238E27FC236}">
+                <a16:creationId xmlns:a16="http://schemas.microsoft.com/office/drawing/2014/main" id="{83BE866B-3859-FD1F-2C37-217D97BEF81C}"/>
+              </a:ext>
+            </a:extLst>
+          </p:cNvPr>
+          <p:cNvSpPr>
+            <a:spLocks noGrp="1"/>
+          </p:cNvSpPr>
+          <p:nvPr>
+            <p:ph type="sldNum" sz="quarter" idx="12"/>
+          </p:nvPr>
+        </p:nvSpPr>
+        <p:spPr/>
+        <p:txBody>
+          <a:bodyPr/>
+          <a:lstStyle/>
+          <a:p>
+            <a:fld id="{FD43A098-DE63-E048-99F5-4E17AB970AEE}" type="slidenum">
+              <a:rPr lang="en-US" smtClean="0"/>
+              <a:t>8</a:t>
             </a:fld>
             <a:endParaRPr lang="en-US"/>
           </a:p>

--- a/final_presentation.pptx
+++ b/final_presentation.pptx
@@ -5,7 +5,7 @@
     <p:sldMasterId id="2147483648" r:id="rId1"/>
   </p:sldMasterIdLst>
   <p:notesMasterIdLst>
-    <p:notesMasterId r:id="rId10"/>
+    <p:notesMasterId r:id="rId9"/>
   </p:notesMasterIdLst>
   <p:sldIdLst>
     <p:sldId id="256" r:id="rId2"/>
@@ -15,7 +15,6 @@
     <p:sldId id="260" r:id="rId6"/>
     <p:sldId id="264" r:id="rId7"/>
     <p:sldId id="261" r:id="rId8"/>
-    <p:sldId id="262" r:id="rId9"/>
   </p:sldIdLst>
   <p:sldSz cx="12192000" cy="6858000"/>
   <p:notesSz cx="6858000" cy="9144000"/>
@@ -517,7 +516,7 @@
           <a:p>
             <a:r>
               <a:rPr lang="en-US" dirty="0"/>
-              <a:t>Hello everyone, I’m Yasamin Tabatabaee and in this tutorial I’m going to present my CS 410 course project which is a software for sentiment analysis on amazon product reviews. </a:t>
+              <a:t>Hello everyone, I’m Yasamin Tabatabaee and in this tutorial I’m going to present my CS 410 course project in which I have implemented a software for sentiment analysis on amazon product reviews. </a:t>
             </a:r>
           </a:p>
         </p:txBody>
@@ -607,7 +606,7 @@
                 <a:effectLst/>
                 <a:latin typeface="ArialMT"/>
               </a:rPr>
-              <a:t>There are various motivations for this project. Sentiment analysis of textual data provides insight into the opinions, emotions and attitudes of people towards objects and topics.</a:t>
+              <a:t>This project has several motivations. Sentiment analysis of text data provides insight into the opinions, emotions and attitudes of people towards objects and topics.</a:t>
             </a:r>
           </a:p>
           <a:p>
@@ -673,6 +672,331 @@
 </file>
 
 <file path=ppt/notesSlides/notesSlide3.xml><?xml version="1.0" encoding="utf-8"?>
+<p:notes xmlns:a="http://schemas.openxmlformats.org/drawingml/2006/main" xmlns:r="http://schemas.openxmlformats.org/officeDocument/2006/relationships" xmlns:p="http://schemas.openxmlformats.org/presentationml/2006/main">
+  <p:cSld>
+    <p:spTree>
+      <p:nvGrpSpPr>
+        <p:cNvPr id="1" name=""/>
+        <p:cNvGrpSpPr/>
+        <p:nvPr/>
+      </p:nvGrpSpPr>
+      <p:grpSpPr>
+        <a:xfrm>
+          <a:off x="0" y="0"/>
+          <a:ext cx="0" cy="0"/>
+          <a:chOff x="0" y="0"/>
+          <a:chExt cx="0" cy="0"/>
+        </a:xfrm>
+      </p:grpSpPr>
+      <p:sp>
+        <p:nvSpPr>
+          <p:cNvPr id="2" name="Slide Image Placeholder 1"/>
+          <p:cNvSpPr>
+            <a:spLocks noGrp="1" noRot="1" noChangeAspect="1"/>
+          </p:cNvSpPr>
+          <p:nvPr>
+            <p:ph type="sldImg"/>
+          </p:nvPr>
+        </p:nvSpPr>
+        <p:spPr/>
+      </p:sp>
+      <p:sp>
+        <p:nvSpPr>
+          <p:cNvPr id="3" name="Notes Placeholder 2"/>
+          <p:cNvSpPr>
+            <a:spLocks noGrp="1"/>
+          </p:cNvSpPr>
+          <p:nvPr>
+            <p:ph type="body" idx="1"/>
+          </p:nvPr>
+        </p:nvSpPr>
+        <p:spPr/>
+        <p:txBody>
+          <a:bodyPr/>
+          <a:lstStyle/>
+          <a:p>
+            <a:r>
+              <a:rPr lang="en-US" dirty="0"/>
+              <a:t>The </a:t>
+            </a:r>
+            <a:r>
+              <a:rPr lang="en-US" dirty="0" err="1"/>
+              <a:t>github</a:t>
+            </a:r>
+            <a:r>
+              <a:rPr lang="en-US" dirty="0"/>
+              <a:t> site of the project is located at this link, and includes the documentation , code and reports of the project. at the end of this tutorial, I will go through this website and show you the function of the code</a:t>
+            </a:r>
+          </a:p>
+        </p:txBody>
+      </p:sp>
+      <p:sp>
+        <p:nvSpPr>
+          <p:cNvPr id="4" name="Slide Number Placeholder 3"/>
+          <p:cNvSpPr>
+            <a:spLocks noGrp="1"/>
+          </p:cNvSpPr>
+          <p:nvPr>
+            <p:ph type="sldNum" sz="quarter" idx="5"/>
+          </p:nvPr>
+        </p:nvSpPr>
+        <p:spPr/>
+        <p:txBody>
+          <a:bodyPr/>
+          <a:lstStyle/>
+          <a:p>
+            <a:fld id="{AFF6C29B-F7B5-1841-8A7D-F13D96E8D2FB}" type="slidenum">
+              <a:rPr lang="en-US" smtClean="0"/>
+              <a:t>3</a:t>
+            </a:fld>
+            <a:endParaRPr lang="en-US"/>
+          </a:p>
+        </p:txBody>
+      </p:sp>
+    </p:spTree>
+    <p:extLst>
+      <p:ext uri="{BB962C8B-B14F-4D97-AF65-F5344CB8AC3E}">
+        <p14:creationId xmlns:p14="http://schemas.microsoft.com/office/powerpoint/2010/main" val="1333722836"/>
+      </p:ext>
+    </p:extLst>
+  </p:cSld>
+  <p:clrMapOvr>
+    <a:masterClrMapping/>
+  </p:clrMapOvr>
+</p:notes>
+</file>
+
+<file path=ppt/notesSlides/notesSlide4.xml><?xml version="1.0" encoding="utf-8"?>
+<p:notes xmlns:a="http://schemas.openxmlformats.org/drawingml/2006/main" xmlns:r="http://schemas.openxmlformats.org/officeDocument/2006/relationships" xmlns:p="http://schemas.openxmlformats.org/presentationml/2006/main">
+  <p:cSld>
+    <p:spTree>
+      <p:nvGrpSpPr>
+        <p:cNvPr id="1" name=""/>
+        <p:cNvGrpSpPr/>
+        <p:nvPr/>
+      </p:nvGrpSpPr>
+      <p:grpSpPr>
+        <a:xfrm>
+          <a:off x="0" y="0"/>
+          <a:ext cx="0" cy="0"/>
+          <a:chOff x="0" y="0"/>
+          <a:chExt cx="0" cy="0"/>
+        </a:xfrm>
+      </p:grpSpPr>
+      <p:sp>
+        <p:nvSpPr>
+          <p:cNvPr id="2" name="Slide Image Placeholder 1"/>
+          <p:cNvSpPr>
+            <a:spLocks noGrp="1" noRot="1" noChangeAspect="1"/>
+          </p:cNvSpPr>
+          <p:nvPr>
+            <p:ph type="sldImg"/>
+          </p:nvPr>
+        </p:nvSpPr>
+        <p:spPr/>
+      </p:sp>
+      <p:sp>
+        <p:nvSpPr>
+          <p:cNvPr id="3" name="Notes Placeholder 2"/>
+          <p:cNvSpPr>
+            <a:spLocks noGrp="1"/>
+          </p:cNvSpPr>
+          <p:nvPr>
+            <p:ph type="body" idx="1"/>
+          </p:nvPr>
+        </p:nvSpPr>
+        <p:spPr/>
+        <p:txBody>
+          <a:bodyPr/>
+          <a:lstStyle/>
+          <a:p>
+            <a:r>
+              <a:rPr lang="en-US" dirty="0"/>
+              <a:t>the dataset I used in this project was a collection of amazon reviews published in 2018 that included in total 233 million reviews form 29 product categories from over 22 years, but I use a small collection of this data including reviews from only 8 categories with at most 200K reviews from each</a:t>
+            </a:r>
+          </a:p>
+        </p:txBody>
+      </p:sp>
+      <p:sp>
+        <p:nvSpPr>
+          <p:cNvPr id="4" name="Slide Number Placeholder 3"/>
+          <p:cNvSpPr>
+            <a:spLocks noGrp="1"/>
+          </p:cNvSpPr>
+          <p:nvPr>
+            <p:ph type="sldNum" sz="quarter" idx="5"/>
+          </p:nvPr>
+        </p:nvSpPr>
+        <p:spPr/>
+        <p:txBody>
+          <a:bodyPr/>
+          <a:lstStyle/>
+          <a:p>
+            <a:fld id="{AFF6C29B-F7B5-1841-8A7D-F13D96E8D2FB}" type="slidenum">
+              <a:rPr lang="en-US" smtClean="0"/>
+              <a:t>4</a:t>
+            </a:fld>
+            <a:endParaRPr lang="en-US"/>
+          </a:p>
+        </p:txBody>
+      </p:sp>
+    </p:spTree>
+    <p:extLst>
+      <p:ext uri="{BB962C8B-B14F-4D97-AF65-F5344CB8AC3E}">
+        <p14:creationId xmlns:p14="http://schemas.microsoft.com/office/powerpoint/2010/main" val="2987281661"/>
+      </p:ext>
+    </p:extLst>
+  </p:cSld>
+  <p:clrMapOvr>
+    <a:masterClrMapping/>
+  </p:clrMapOvr>
+</p:notes>
+</file>
+
+<file path=ppt/notesSlides/notesSlide5.xml><?xml version="1.0" encoding="utf-8"?>
+<p:notes xmlns:a="http://schemas.openxmlformats.org/drawingml/2006/main" xmlns:r="http://schemas.openxmlformats.org/officeDocument/2006/relationships" xmlns:p="http://schemas.openxmlformats.org/presentationml/2006/main">
+  <p:cSld>
+    <p:spTree>
+      <p:nvGrpSpPr>
+        <p:cNvPr id="1" name=""/>
+        <p:cNvGrpSpPr/>
+        <p:nvPr/>
+      </p:nvGrpSpPr>
+      <p:grpSpPr>
+        <a:xfrm>
+          <a:off x="0" y="0"/>
+          <a:ext cx="0" cy="0"/>
+          <a:chOff x="0" y="0"/>
+          <a:chExt cx="0" cy="0"/>
+        </a:xfrm>
+      </p:grpSpPr>
+      <p:sp>
+        <p:nvSpPr>
+          <p:cNvPr id="2" name="Slide Image Placeholder 1"/>
+          <p:cNvSpPr>
+            <a:spLocks noGrp="1" noRot="1" noChangeAspect="1"/>
+          </p:cNvSpPr>
+          <p:nvPr>
+            <p:ph type="sldImg"/>
+          </p:nvPr>
+        </p:nvSpPr>
+        <p:spPr/>
+      </p:sp>
+      <p:sp>
+        <p:nvSpPr>
+          <p:cNvPr id="3" name="Notes Placeholder 2"/>
+          <p:cNvSpPr>
+            <a:spLocks noGrp="1"/>
+          </p:cNvSpPr>
+          <p:nvPr>
+            <p:ph type="body" idx="1"/>
+          </p:nvPr>
+        </p:nvSpPr>
+        <p:spPr/>
+        <p:txBody>
+          <a:bodyPr/>
+          <a:lstStyle/>
+          <a:p>
+            <a:r>
+              <a:rPr lang="en-US" dirty="0"/>
+              <a:t>the code is available from the </a:t>
+            </a:r>
+            <a:r>
+              <a:rPr lang="en-US" dirty="0" err="1"/>
+              <a:t>src</a:t>
+            </a:r>
+            <a:r>
+              <a:rPr lang="en-US" dirty="0"/>
+              <a:t> folder in the </a:t>
+            </a:r>
+            <a:r>
+              <a:rPr lang="en-US" dirty="0" err="1"/>
+              <a:t>github</a:t>
+            </a:r>
+            <a:r>
+              <a:rPr lang="en-US" dirty="0"/>
+              <a:t> project, and its implemented in python3, and uses the following packages and libraries. And the main report of the results of the project is a </a:t>
+            </a:r>
+            <a:r>
+              <a:rPr lang="en-US" dirty="0" err="1"/>
+              <a:t>jupyter</a:t>
+            </a:r>
+            <a:r>
+              <a:rPr lang="en-US" dirty="0"/>
+              <a:t> notebook called </a:t>
+            </a:r>
+            <a:r>
+              <a:rPr lang="en-US" dirty="0" err="1"/>
+              <a:t>Amazon_review_analysis</a:t>
+            </a:r>
+            <a:r>
+              <a:rPr lang="en-US" dirty="0"/>
+              <a:t> located in the </a:t>
+            </a:r>
+            <a:r>
+              <a:rPr lang="en-US" dirty="0" err="1"/>
+              <a:t>src</a:t>
+            </a:r>
+            <a:r>
+              <a:rPr lang="en-US" dirty="0"/>
+              <a:t> folder that includes both results for data analysis and results for training the sentiment classifiers.  The final software is </a:t>
+            </a:r>
+            <a:r>
+              <a:rPr lang="en-US" dirty="0" err="1"/>
+              <a:t>sentiment_analyzer.py</a:t>
+            </a:r>
+            <a:r>
+              <a:rPr lang="en-US" dirty="0"/>
+              <a:t> in the main folder. You can see further details about the code and implementation in the </a:t>
+            </a:r>
+            <a:r>
+              <a:rPr lang="en-US" dirty="0" err="1"/>
+              <a:t>github</a:t>
+            </a:r>
+            <a:r>
+              <a:rPr lang="en-US" dirty="0"/>
+              <a:t> readme file. </a:t>
+            </a:r>
+          </a:p>
+        </p:txBody>
+      </p:sp>
+      <p:sp>
+        <p:nvSpPr>
+          <p:cNvPr id="4" name="Slide Number Placeholder 3"/>
+          <p:cNvSpPr>
+            <a:spLocks noGrp="1"/>
+          </p:cNvSpPr>
+          <p:nvPr>
+            <p:ph type="sldNum" sz="quarter" idx="5"/>
+          </p:nvPr>
+        </p:nvSpPr>
+        <p:spPr/>
+        <p:txBody>
+          <a:bodyPr/>
+          <a:lstStyle/>
+          <a:p>
+            <a:fld id="{AFF6C29B-F7B5-1841-8A7D-F13D96E8D2FB}" type="slidenum">
+              <a:rPr lang="en-US" smtClean="0"/>
+              <a:t>5</a:t>
+            </a:fld>
+            <a:endParaRPr lang="en-US"/>
+          </a:p>
+        </p:txBody>
+      </p:sp>
+    </p:spTree>
+    <p:extLst>
+      <p:ext uri="{BB962C8B-B14F-4D97-AF65-F5344CB8AC3E}">
+        <p14:creationId xmlns:p14="http://schemas.microsoft.com/office/powerpoint/2010/main" val="2494922604"/>
+      </p:ext>
+    </p:extLst>
+  </p:cSld>
+  <p:clrMapOvr>
+    <a:masterClrMapping/>
+  </p:clrMapOvr>
+</p:notes>
+</file>
+
+<file path=ppt/notesSlides/notesSlide6.xml><?xml version="1.0" encoding="utf-8"?>
 <p:notes xmlns:a="http://schemas.openxmlformats.org/drawingml/2006/main" xmlns:r="http://schemas.openxmlformats.org/officeDocument/2006/relationships" xmlns:p="http://schemas.openxmlformats.org/presentationml/2006/main">
   <p:cSld>
     <p:spTree>
@@ -4328,6 +4652,43 @@
           </a:p>
         </p:txBody>
       </p:sp>
+      <p:pic>
+        <p:nvPicPr>
+          <p:cNvPr id="13" name="Audio 12">
+            <a:extLst>
+              <a:ext uri="{FF2B5EF4-FFF2-40B4-BE49-F238E27FC236}">
+                <a16:creationId xmlns:a16="http://schemas.microsoft.com/office/drawing/2014/main" id="{A5796F04-69AF-46CA-9B5C-FE57743D85AF}"/>
+              </a:ext>
+            </a:extLst>
+          </p:cNvPr>
+          <p:cNvPicPr>
+            <a:picLocks noChangeAspect="1"/>
+          </p:cNvPicPr>
+          <p:nvPr>
+            <a:audioFile r:link="rId2"/>
+            <p:extLst>
+              <p:ext uri="{DAA4B4D4-6D71-4841-9C94-3DE7FCFB9230}">
+                <p14:media xmlns:p14="http://schemas.microsoft.com/office/powerpoint/2010/main" r:embed="rId1"/>
+              </p:ext>
+            </p:extLst>
+          </p:nvPr>
+        </p:nvPicPr>
+        <p:blipFill>
+          <a:blip r:embed="rId5"/>
+          <a:stretch>
+            <a:fillRect/>
+          </a:stretch>
+        </p:blipFill>
+        <p:spPr>
+          <a:xfrm>
+            <a:off x="11226800" y="5892800"/>
+            <a:ext cx="812800" cy="812800"/>
+          </a:xfrm>
+          <a:prstGeom prst="rect">
+            <a:avLst/>
+          </a:prstGeom>
+        </p:spPr>
+      </p:pic>
     </p:spTree>
     <p:extLst>
       <p:ext uri="{BB962C8B-B14F-4D97-AF65-F5344CB8AC3E}">
@@ -4338,6 +4699,101 @@
   <p:clrMapOvr>
     <a:masterClrMapping/>
   </p:clrMapOvr>
+  <mc:AlternateContent xmlns:mc="http://schemas.openxmlformats.org/markup-compatibility/2006">
+    <mc:Choice xmlns:p14="http://schemas.microsoft.com/office/powerpoint/2010/main" Requires="p14">
+      <p:transition spd="slow" p14:dur="2000" advTm="13679"/>
+    </mc:Choice>
+    <mc:Fallback>
+      <p:transition spd="slow" advTm="13679"/>
+    </mc:Fallback>
+  </mc:AlternateContent>
+  <p:timing>
+    <p:tnLst>
+      <p:par>
+        <p:cTn id="1" dur="indefinite" restart="never" nodeType="tmRoot">
+          <p:childTnLst>
+            <p:seq concurrent="1" nextAc="seek">
+              <p:cTn id="2" dur="indefinite" nodeType="mainSeq">
+                <p:childTnLst>
+                  <p:par>
+                    <p:cTn id="3" fill="hold">
+                      <p:stCondLst>
+                        <p:cond delay="indefinite"/>
+                        <p:cond evt="onBegin" delay="0">
+                          <p:tn val="2"/>
+                        </p:cond>
+                      </p:stCondLst>
+                      <p:childTnLst>
+                        <p:par>
+                          <p:cTn id="4" fill="hold">
+                            <p:stCondLst>
+                              <p:cond delay="0"/>
+                            </p:stCondLst>
+                            <p:childTnLst>
+                              <p:par>
+                                <p:cTn id="5" presetID="1" presetClass="mediacall" presetSubtype="0" fill="hold" nodeType="afterEffect">
+                                  <p:stCondLst>
+                                    <p:cond delay="0"/>
+                                  </p:stCondLst>
+                                  <p:childTnLst>
+                                    <p:cmd type="call" cmd="playFrom(0.0)">
+                                      <p:cBhvr>
+                                        <p:cTn id="6" dur="1" fill="hold"/>
+                                        <p:tgtEl>
+                                          <p:spTgt spid="13"/>
+                                        </p:tgtEl>
+                                      </p:cBhvr>
+                                    </p:cmd>
+                                  </p:childTnLst>
+                                </p:cTn>
+                              </p:par>
+                            </p:childTnLst>
+                          </p:cTn>
+                        </p:par>
+                      </p:childTnLst>
+                    </p:cTn>
+                  </p:par>
+                </p:childTnLst>
+              </p:cTn>
+              <p:prevCondLst>
+                <p:cond evt="onPrev" delay="0">
+                  <p:tgtEl>
+                    <p:sldTgt/>
+                  </p:tgtEl>
+                </p:cond>
+              </p:prevCondLst>
+              <p:nextCondLst>
+                <p:cond evt="onNext" delay="0">
+                  <p:tgtEl>
+                    <p:sldTgt/>
+                  </p:tgtEl>
+                </p:cond>
+              </p:nextCondLst>
+            </p:seq>
+            <p:audio isNarration="1">
+              <p:cMediaNode vol="80000" showWhenStopped="0">
+                <p:cTn id="7" fill="hold" display="0">
+                  <p:stCondLst>
+                    <p:cond delay="indefinite"/>
+                  </p:stCondLst>
+                  <p:endCondLst>
+                    <p:cond evt="onStopAudio" delay="0">
+                      <p:tgtEl>
+                        <p:sldTgt/>
+                      </p:tgtEl>
+                    </p:cond>
+                  </p:endCondLst>
+                </p:cTn>
+                <p:tgtEl>
+                  <p:spTgt spid="13"/>
+                </p:tgtEl>
+              </p:cMediaNode>
+            </p:audio>
+          </p:childTnLst>
+        </p:cTn>
+      </p:par>
+    </p:tnLst>
+  </p:timing>
 </p:sld>
 </file>
 
@@ -4597,6 +5053,43 @@
           </a:p>
         </p:txBody>
       </p:sp>
+      <p:pic>
+        <p:nvPicPr>
+          <p:cNvPr id="10" name="Audio 9">
+            <a:extLst>
+              <a:ext uri="{FF2B5EF4-FFF2-40B4-BE49-F238E27FC236}">
+                <a16:creationId xmlns:a16="http://schemas.microsoft.com/office/drawing/2014/main" id="{A5A70BAB-DA3A-0CA0-C7E2-01CFD14DE102}"/>
+              </a:ext>
+            </a:extLst>
+          </p:cNvPr>
+          <p:cNvPicPr>
+            <a:picLocks noChangeAspect="1"/>
+          </p:cNvPicPr>
+          <p:nvPr>
+            <a:audioFile r:link="rId2"/>
+            <p:extLst>
+              <p:ext uri="{DAA4B4D4-6D71-4841-9C94-3DE7FCFB9230}">
+                <p14:media xmlns:p14="http://schemas.microsoft.com/office/powerpoint/2010/main" r:embed="rId1"/>
+              </p:ext>
+            </p:extLst>
+          </p:nvPr>
+        </p:nvPicPr>
+        <p:blipFill>
+          <a:blip r:embed="rId5"/>
+          <a:stretch>
+            <a:fillRect/>
+          </a:stretch>
+        </p:blipFill>
+        <p:spPr>
+          <a:xfrm>
+            <a:off x="11226800" y="5892800"/>
+            <a:ext cx="812800" cy="812800"/>
+          </a:xfrm>
+          <a:prstGeom prst="rect">
+            <a:avLst/>
+          </a:prstGeom>
+        </p:spPr>
+      </p:pic>
     </p:spTree>
     <p:extLst>
       <p:ext uri="{BB962C8B-B14F-4D97-AF65-F5344CB8AC3E}">
@@ -4607,6 +5100,101 @@
   <p:clrMapOvr>
     <a:masterClrMapping/>
   </p:clrMapOvr>
+  <mc:AlternateContent xmlns:mc="http://schemas.openxmlformats.org/markup-compatibility/2006">
+    <mc:Choice xmlns:p14="http://schemas.microsoft.com/office/powerpoint/2010/main" Requires="p14">
+      <p:transition spd="slow" p14:dur="2000" advTm="47116"/>
+    </mc:Choice>
+    <mc:Fallback>
+      <p:transition spd="slow" advTm="47116"/>
+    </mc:Fallback>
+  </mc:AlternateContent>
+  <p:timing>
+    <p:tnLst>
+      <p:par>
+        <p:cTn id="1" dur="indefinite" restart="never" nodeType="tmRoot">
+          <p:childTnLst>
+            <p:seq concurrent="1" nextAc="seek">
+              <p:cTn id="2" dur="indefinite" nodeType="mainSeq">
+                <p:childTnLst>
+                  <p:par>
+                    <p:cTn id="3" fill="hold">
+                      <p:stCondLst>
+                        <p:cond delay="indefinite"/>
+                        <p:cond evt="onBegin" delay="0">
+                          <p:tn val="2"/>
+                        </p:cond>
+                      </p:stCondLst>
+                      <p:childTnLst>
+                        <p:par>
+                          <p:cTn id="4" fill="hold">
+                            <p:stCondLst>
+                              <p:cond delay="0"/>
+                            </p:stCondLst>
+                            <p:childTnLst>
+                              <p:par>
+                                <p:cTn id="5" presetID="1" presetClass="mediacall" presetSubtype="0" fill="hold" nodeType="afterEffect">
+                                  <p:stCondLst>
+                                    <p:cond delay="0"/>
+                                  </p:stCondLst>
+                                  <p:childTnLst>
+                                    <p:cmd type="call" cmd="playFrom(0.0)">
+                                      <p:cBhvr>
+                                        <p:cTn id="6" dur="1" fill="hold"/>
+                                        <p:tgtEl>
+                                          <p:spTgt spid="10"/>
+                                        </p:tgtEl>
+                                      </p:cBhvr>
+                                    </p:cmd>
+                                  </p:childTnLst>
+                                </p:cTn>
+                              </p:par>
+                            </p:childTnLst>
+                          </p:cTn>
+                        </p:par>
+                      </p:childTnLst>
+                    </p:cTn>
+                  </p:par>
+                </p:childTnLst>
+              </p:cTn>
+              <p:prevCondLst>
+                <p:cond evt="onPrev" delay="0">
+                  <p:tgtEl>
+                    <p:sldTgt/>
+                  </p:tgtEl>
+                </p:cond>
+              </p:prevCondLst>
+              <p:nextCondLst>
+                <p:cond evt="onNext" delay="0">
+                  <p:tgtEl>
+                    <p:sldTgt/>
+                  </p:tgtEl>
+                </p:cond>
+              </p:nextCondLst>
+            </p:seq>
+            <p:audio isNarration="1">
+              <p:cMediaNode vol="80000" showWhenStopped="0">
+                <p:cTn id="7" fill="hold" display="0">
+                  <p:stCondLst>
+                    <p:cond delay="indefinite"/>
+                  </p:stCondLst>
+                  <p:endCondLst>
+                    <p:cond evt="onStopAudio" delay="0">
+                      <p:tgtEl>
+                        <p:sldTgt/>
+                      </p:tgtEl>
+                    </p:cond>
+                  </p:endCondLst>
+                </p:cTn>
+                <p:tgtEl>
+                  <p:spTgt spid="10"/>
+                </p:tgtEl>
+              </p:cMediaNode>
+            </p:audio>
+          </p:childTnLst>
+        </p:cTn>
+      </p:par>
+    </p:tnLst>
+  </p:timing>
 </p:sld>
 </file>
 
@@ -4642,7 +5230,7 @@
           <p:nvPr/>
         </p:nvPicPr>
         <p:blipFill>
-          <a:blip r:embed="rId2"/>
+          <a:blip r:embed="rId5"/>
           <a:stretch>
             <a:fillRect/>
           </a:stretch>
@@ -4725,7 +5313,7 @@
             </a:r>
             <a:r>
               <a:rPr lang="en-US" sz="2000" dirty="0">
-                <a:hlinkClick r:id="rId3"/>
+                <a:hlinkClick r:id="rId6"/>
               </a:rPr>
               <a:t>https://github.com/ytabatabaee/AmazonSentiment/tree/main</a:t>
             </a:r>
@@ -5011,6 +5599,43 @@
           </a:p>
         </p:txBody>
       </p:sp>
+      <p:pic>
+        <p:nvPicPr>
+          <p:cNvPr id="14" name="Audio 13">
+            <a:extLst>
+              <a:ext uri="{FF2B5EF4-FFF2-40B4-BE49-F238E27FC236}">
+                <a16:creationId xmlns:a16="http://schemas.microsoft.com/office/drawing/2014/main" id="{0717907A-5270-E727-673F-ABADCBE29AF5}"/>
+              </a:ext>
+            </a:extLst>
+          </p:cNvPr>
+          <p:cNvPicPr>
+            <a:picLocks noChangeAspect="1"/>
+          </p:cNvPicPr>
+          <p:nvPr>
+            <a:audioFile r:link="rId2"/>
+            <p:extLst>
+              <p:ext uri="{DAA4B4D4-6D71-4841-9C94-3DE7FCFB9230}">
+                <p14:media xmlns:p14="http://schemas.microsoft.com/office/powerpoint/2010/main" r:embed="rId1"/>
+              </p:ext>
+            </p:extLst>
+          </p:nvPr>
+        </p:nvPicPr>
+        <p:blipFill>
+          <a:blip r:embed="rId7"/>
+          <a:stretch>
+            <a:fillRect/>
+          </a:stretch>
+        </p:blipFill>
+        <p:spPr>
+          <a:xfrm>
+            <a:off x="11226800" y="5892800"/>
+            <a:ext cx="812800" cy="812800"/>
+          </a:xfrm>
+          <a:prstGeom prst="rect">
+            <a:avLst/>
+          </a:prstGeom>
+        </p:spPr>
+      </p:pic>
     </p:spTree>
     <p:extLst>
       <p:ext uri="{BB962C8B-B14F-4D97-AF65-F5344CB8AC3E}">
@@ -5021,6 +5646,101 @@
   <p:clrMapOvr>
     <a:masterClrMapping/>
   </p:clrMapOvr>
+  <mc:AlternateContent xmlns:mc="http://schemas.openxmlformats.org/markup-compatibility/2006">
+    <mc:Choice xmlns:p14="http://schemas.microsoft.com/office/powerpoint/2010/main" Requires="p14">
+      <p:transition spd="slow" p14:dur="2000" advTm="18034"/>
+    </mc:Choice>
+    <mc:Fallback>
+      <p:transition spd="slow" advTm="18034"/>
+    </mc:Fallback>
+  </mc:AlternateContent>
+  <p:timing>
+    <p:tnLst>
+      <p:par>
+        <p:cTn id="1" dur="indefinite" restart="never" nodeType="tmRoot">
+          <p:childTnLst>
+            <p:seq concurrent="1" nextAc="seek">
+              <p:cTn id="2" dur="indefinite" nodeType="mainSeq">
+                <p:childTnLst>
+                  <p:par>
+                    <p:cTn id="3" fill="hold">
+                      <p:stCondLst>
+                        <p:cond delay="indefinite"/>
+                        <p:cond evt="onBegin" delay="0">
+                          <p:tn val="2"/>
+                        </p:cond>
+                      </p:stCondLst>
+                      <p:childTnLst>
+                        <p:par>
+                          <p:cTn id="4" fill="hold">
+                            <p:stCondLst>
+                              <p:cond delay="0"/>
+                            </p:stCondLst>
+                            <p:childTnLst>
+                              <p:par>
+                                <p:cTn id="5" presetID="1" presetClass="mediacall" presetSubtype="0" fill="hold" nodeType="afterEffect">
+                                  <p:stCondLst>
+                                    <p:cond delay="0"/>
+                                  </p:stCondLst>
+                                  <p:childTnLst>
+                                    <p:cmd type="call" cmd="playFrom(0.0)">
+                                      <p:cBhvr>
+                                        <p:cTn id="6" dur="1" fill="hold"/>
+                                        <p:tgtEl>
+                                          <p:spTgt spid="14"/>
+                                        </p:tgtEl>
+                                      </p:cBhvr>
+                                    </p:cmd>
+                                  </p:childTnLst>
+                                </p:cTn>
+                              </p:par>
+                            </p:childTnLst>
+                          </p:cTn>
+                        </p:par>
+                      </p:childTnLst>
+                    </p:cTn>
+                  </p:par>
+                </p:childTnLst>
+              </p:cTn>
+              <p:prevCondLst>
+                <p:cond evt="onPrev" delay="0">
+                  <p:tgtEl>
+                    <p:sldTgt/>
+                  </p:tgtEl>
+                </p:cond>
+              </p:prevCondLst>
+              <p:nextCondLst>
+                <p:cond evt="onNext" delay="0">
+                  <p:tgtEl>
+                    <p:sldTgt/>
+                  </p:tgtEl>
+                </p:cond>
+              </p:nextCondLst>
+            </p:seq>
+            <p:audio isNarration="1">
+              <p:cMediaNode vol="80000" showWhenStopped="0">
+                <p:cTn id="7" fill="hold" display="0">
+                  <p:stCondLst>
+                    <p:cond delay="indefinite"/>
+                  </p:stCondLst>
+                  <p:endCondLst>
+                    <p:cond evt="onStopAudio" delay="0">
+                      <p:tgtEl>
+                        <p:sldTgt/>
+                      </p:tgtEl>
+                    </p:cond>
+                  </p:endCondLst>
+                </p:cTn>
+                <p:tgtEl>
+                  <p:spTgt spid="14"/>
+                </p:tgtEl>
+              </p:cMediaNode>
+            </p:audio>
+          </p:childTnLst>
+        </p:cTn>
+      </p:par>
+    </p:tnLst>
+  </p:timing>
 </p:sld>
 </file>
 
@@ -5282,7 +6002,7 @@
           <p:nvPr/>
         </p:nvPicPr>
         <p:blipFill>
-          <a:blip r:embed="rId2"/>
+          <a:blip r:embed="rId5"/>
           <a:stretch>
             <a:fillRect/>
           </a:stretch>
@@ -5291,6 +6011,43 @@
           <a:xfrm>
             <a:off x="6983633" y="1231276"/>
             <a:ext cx="4607256" cy="4618832"/>
+          </a:xfrm>
+          <a:prstGeom prst="rect">
+            <a:avLst/>
+          </a:prstGeom>
+        </p:spPr>
+      </p:pic>
+      <p:pic>
+        <p:nvPicPr>
+          <p:cNvPr id="10" name="Audio 9">
+            <a:extLst>
+              <a:ext uri="{FF2B5EF4-FFF2-40B4-BE49-F238E27FC236}">
+                <a16:creationId xmlns:a16="http://schemas.microsoft.com/office/drawing/2014/main" id="{2F65B67C-BB7D-0E33-9F86-07615491EF4C}"/>
+              </a:ext>
+            </a:extLst>
+          </p:cNvPr>
+          <p:cNvPicPr>
+            <a:picLocks noChangeAspect="1"/>
+          </p:cNvPicPr>
+          <p:nvPr>
+            <a:audioFile r:link="rId2"/>
+            <p:extLst>
+              <p:ext uri="{DAA4B4D4-6D71-4841-9C94-3DE7FCFB9230}">
+                <p14:media xmlns:p14="http://schemas.microsoft.com/office/powerpoint/2010/main" r:embed="rId1"/>
+              </p:ext>
+            </p:extLst>
+          </p:nvPr>
+        </p:nvPicPr>
+        <p:blipFill>
+          <a:blip r:embed="rId6"/>
+          <a:stretch>
+            <a:fillRect/>
+          </a:stretch>
+        </p:blipFill>
+        <p:spPr>
+          <a:xfrm>
+            <a:off x="11226800" y="5892800"/>
+            <a:ext cx="812800" cy="812800"/>
           </a:xfrm>
           <a:prstGeom prst="rect">
             <a:avLst/>
@@ -5307,6 +6064,101 @@
   <p:clrMapOvr>
     <a:masterClrMapping/>
   </p:clrMapOvr>
+  <mc:AlternateContent xmlns:mc="http://schemas.openxmlformats.org/markup-compatibility/2006">
+    <mc:Choice xmlns:p14="http://schemas.microsoft.com/office/powerpoint/2010/main" Requires="p14">
+      <p:transition spd="slow" p14:dur="2000" advTm="26953"/>
+    </mc:Choice>
+    <mc:Fallback>
+      <p:transition spd="slow" advTm="26953"/>
+    </mc:Fallback>
+  </mc:AlternateContent>
+  <p:timing>
+    <p:tnLst>
+      <p:par>
+        <p:cTn id="1" dur="indefinite" restart="never" nodeType="tmRoot">
+          <p:childTnLst>
+            <p:seq concurrent="1" nextAc="seek">
+              <p:cTn id="2" dur="indefinite" nodeType="mainSeq">
+                <p:childTnLst>
+                  <p:par>
+                    <p:cTn id="3" fill="hold">
+                      <p:stCondLst>
+                        <p:cond delay="indefinite"/>
+                        <p:cond evt="onBegin" delay="0">
+                          <p:tn val="2"/>
+                        </p:cond>
+                      </p:stCondLst>
+                      <p:childTnLst>
+                        <p:par>
+                          <p:cTn id="4" fill="hold">
+                            <p:stCondLst>
+                              <p:cond delay="0"/>
+                            </p:stCondLst>
+                            <p:childTnLst>
+                              <p:par>
+                                <p:cTn id="5" presetID="1" presetClass="mediacall" presetSubtype="0" fill="hold" nodeType="afterEffect">
+                                  <p:stCondLst>
+                                    <p:cond delay="0"/>
+                                  </p:stCondLst>
+                                  <p:childTnLst>
+                                    <p:cmd type="call" cmd="playFrom(0.0)">
+                                      <p:cBhvr>
+                                        <p:cTn id="6" dur="1" fill="hold"/>
+                                        <p:tgtEl>
+                                          <p:spTgt spid="10"/>
+                                        </p:tgtEl>
+                                      </p:cBhvr>
+                                    </p:cmd>
+                                  </p:childTnLst>
+                                </p:cTn>
+                              </p:par>
+                            </p:childTnLst>
+                          </p:cTn>
+                        </p:par>
+                      </p:childTnLst>
+                    </p:cTn>
+                  </p:par>
+                </p:childTnLst>
+              </p:cTn>
+              <p:prevCondLst>
+                <p:cond evt="onPrev" delay="0">
+                  <p:tgtEl>
+                    <p:sldTgt/>
+                  </p:tgtEl>
+                </p:cond>
+              </p:prevCondLst>
+              <p:nextCondLst>
+                <p:cond evt="onNext" delay="0">
+                  <p:tgtEl>
+                    <p:sldTgt/>
+                  </p:tgtEl>
+                </p:cond>
+              </p:nextCondLst>
+            </p:seq>
+            <p:audio isNarration="1">
+              <p:cMediaNode vol="80000" showWhenStopped="0">
+                <p:cTn id="7" fill="hold" display="0">
+                  <p:stCondLst>
+                    <p:cond delay="indefinite"/>
+                  </p:stCondLst>
+                  <p:endCondLst>
+                    <p:cond evt="onStopAudio" delay="0">
+                      <p:tgtEl>
+                        <p:sldTgt/>
+                      </p:tgtEl>
+                    </p:cond>
+                  </p:endCondLst>
+                </p:cTn>
+                <p:tgtEl>
+                  <p:spTgt spid="10"/>
+                </p:tgtEl>
+              </p:cMediaNode>
+            </p:audio>
+          </p:childTnLst>
+        </p:cTn>
+      </p:par>
+    </p:tnLst>
+  </p:timing>
 </p:sld>
 </file>
 
@@ -5395,7 +6247,7 @@
             </a:r>
             <a:r>
               <a:rPr lang="en-US" sz="2000" dirty="0">
-                <a:hlinkClick r:id="rId2"/>
+                <a:hlinkClick r:id="rId5"/>
               </a:rPr>
               <a:t>https://github.com/ytabatabaee/AmazonSentiment/tree/main/src</a:t>
             </a:r>
@@ -5423,7 +6275,7 @@
               <a:rPr lang="en-US" sz="2000" b="0" i="0" u="sng" dirty="0">
                 <a:effectLst/>
                 <a:latin typeface="-apple-system"/>
-                <a:hlinkClick r:id="rId3"/>
+                <a:hlinkClick r:id="rId6"/>
               </a:rPr>
               <a:t>scikit-learn (v1.2.2)</a:t>
             </a:r>
@@ -5441,7 +6293,7 @@
               <a:rPr lang="en-US" sz="2000" b="0" i="0" u="sng" dirty="0">
                 <a:effectLst/>
                 <a:latin typeface="-apple-system"/>
-                <a:hlinkClick r:id="rId4"/>
+                <a:hlinkClick r:id="rId7"/>
               </a:rPr>
               <a:t>questionary</a:t>
             </a:r>
@@ -5459,7 +6311,7 @@
               <a:rPr lang="en-US" sz="2000" b="0" i="0" u="sng" dirty="0">
                 <a:effectLst/>
                 <a:latin typeface="-apple-system"/>
-                <a:hlinkClick r:id="rId5"/>
+                <a:hlinkClick r:id="rId8"/>
               </a:rPr>
               <a:t>nltk</a:t>
             </a:r>
@@ -5477,7 +6329,7 @@
               <a:rPr lang="en-US" sz="2000" b="0" i="0" u="sng" dirty="0">
                 <a:effectLst/>
                 <a:latin typeface="-apple-system"/>
-                <a:hlinkClick r:id="rId6"/>
+                <a:hlinkClick r:id="rId9"/>
               </a:rPr>
               <a:t>Numpy</a:t>
             </a:r>
@@ -5495,7 +6347,7 @@
               <a:rPr lang="en-US" sz="2000" b="0" i="0" u="sng" dirty="0">
                 <a:effectLst/>
                 <a:latin typeface="-apple-system"/>
-                <a:hlinkClick r:id="rId7"/>
+                <a:hlinkClick r:id="rId10"/>
               </a:rPr>
               <a:t>Pandas</a:t>
             </a:r>
@@ -5513,7 +6365,7 @@
               <a:rPr lang="en-US" sz="2000" b="0" i="0" u="sng" dirty="0">
                 <a:effectLst/>
                 <a:latin typeface="-apple-system"/>
-                <a:hlinkClick r:id="rId8"/>
+                <a:hlinkClick r:id="rId11"/>
               </a:rPr>
               <a:t>seaborn (v0.13.0+)</a:t>
             </a:r>
@@ -5531,7 +6383,7 @@
               <a:rPr lang="en-US" sz="2000" b="0" i="0" u="sng" dirty="0">
                 <a:effectLst/>
                 <a:latin typeface="-apple-system"/>
-                <a:hlinkClick r:id="rId9"/>
+                <a:hlinkClick r:id="rId12"/>
               </a:rPr>
               <a:t>wordcloud</a:t>
             </a:r>
@@ -5549,7 +6401,7 @@
               <a:rPr lang="en-US" sz="2000" b="0" i="0" u="sng" dirty="0">
                 <a:effectLst/>
                 <a:latin typeface="-apple-system"/>
-                <a:hlinkClick r:id="rId10"/>
+                <a:hlinkClick r:id="rId13"/>
               </a:rPr>
               <a:t>Matplotlib</a:t>
             </a:r>
@@ -5621,7 +6473,7 @@
               <a:rPr lang="en-US" sz="2000" b="0" i="0" u="sng" dirty="0">
                 <a:effectLst/>
                 <a:latin typeface="-apple-system"/>
-                <a:hlinkClick r:id="rId11"/>
+                <a:hlinkClick r:id="rId14"/>
               </a:rPr>
               <a:t>/src/Amazon_reviews_analysis.ipynb</a:t>
             </a:r>
@@ -5690,7 +6542,7 @@
                 </a:solidFill>
                 <a:effectLst/>
                 <a:latin typeface="-apple-system"/>
-                <a:hlinkClick r:id="rId11">
+                <a:hlinkClick r:id="rId14">
                   <a:extLst>
                     <a:ext uri="{A12FA001-AC4F-418D-AE19-62706E023703}">
                       <ahyp:hlinkClr xmlns:ahyp="http://schemas.microsoft.com/office/drawing/2018/hyperlinkcolor" val="tx"/>
@@ -5734,7 +6586,7 @@
                 </a:solidFill>
                 <a:effectLst/>
                 <a:latin typeface="-apple-system"/>
-                <a:hlinkClick r:id="rId11">
+                <a:hlinkClick r:id="rId14">
                   <a:extLst>
                     <a:ext uri="{A12FA001-AC4F-418D-AE19-62706E023703}">
                       <ahyp:hlinkClr xmlns:ahyp="http://schemas.microsoft.com/office/drawing/2018/hyperlinkcolor" val="tx"/>
@@ -5832,6 +6684,43 @@
           </a:p>
         </p:txBody>
       </p:sp>
+      <p:pic>
+        <p:nvPicPr>
+          <p:cNvPr id="8" name="Audio 7">
+            <a:extLst>
+              <a:ext uri="{FF2B5EF4-FFF2-40B4-BE49-F238E27FC236}">
+                <a16:creationId xmlns:a16="http://schemas.microsoft.com/office/drawing/2014/main" id="{F3C1F3A4-D862-0853-8683-135E647A382D}"/>
+              </a:ext>
+            </a:extLst>
+          </p:cNvPr>
+          <p:cNvPicPr>
+            <a:picLocks noChangeAspect="1"/>
+          </p:cNvPicPr>
+          <p:nvPr>
+            <a:audioFile r:link="rId2"/>
+            <p:extLst>
+              <p:ext uri="{DAA4B4D4-6D71-4841-9C94-3DE7FCFB9230}">
+                <p14:media xmlns:p14="http://schemas.microsoft.com/office/powerpoint/2010/main" r:embed="rId1"/>
+              </p:ext>
+            </p:extLst>
+          </p:nvPr>
+        </p:nvPicPr>
+        <p:blipFill>
+          <a:blip r:embed="rId15"/>
+          <a:stretch>
+            <a:fillRect/>
+          </a:stretch>
+        </p:blipFill>
+        <p:spPr>
+          <a:xfrm>
+            <a:off x="11226800" y="5892800"/>
+            <a:ext cx="812800" cy="812800"/>
+          </a:xfrm>
+          <a:prstGeom prst="rect">
+            <a:avLst/>
+          </a:prstGeom>
+        </p:spPr>
+      </p:pic>
     </p:spTree>
     <p:extLst>
       <p:ext uri="{BB962C8B-B14F-4D97-AF65-F5344CB8AC3E}">
@@ -5842,6 +6731,101 @@
   <p:clrMapOvr>
     <a:masterClrMapping/>
   </p:clrMapOvr>
+  <mc:AlternateContent xmlns:mc="http://schemas.openxmlformats.org/markup-compatibility/2006">
+    <mc:Choice xmlns:p14="http://schemas.microsoft.com/office/powerpoint/2010/main" Requires="p14">
+      <p:transition spd="slow" p14:dur="2000" advTm="49124"/>
+    </mc:Choice>
+    <mc:Fallback>
+      <p:transition spd="slow" advTm="49124"/>
+    </mc:Fallback>
+  </mc:AlternateContent>
+  <p:timing>
+    <p:tnLst>
+      <p:par>
+        <p:cTn id="1" dur="indefinite" restart="never" nodeType="tmRoot">
+          <p:childTnLst>
+            <p:seq concurrent="1" nextAc="seek">
+              <p:cTn id="2" dur="indefinite" nodeType="mainSeq">
+                <p:childTnLst>
+                  <p:par>
+                    <p:cTn id="3" fill="hold">
+                      <p:stCondLst>
+                        <p:cond delay="indefinite"/>
+                        <p:cond evt="onBegin" delay="0">
+                          <p:tn val="2"/>
+                        </p:cond>
+                      </p:stCondLst>
+                      <p:childTnLst>
+                        <p:par>
+                          <p:cTn id="4" fill="hold">
+                            <p:stCondLst>
+                              <p:cond delay="0"/>
+                            </p:stCondLst>
+                            <p:childTnLst>
+                              <p:par>
+                                <p:cTn id="5" presetID="1" presetClass="mediacall" presetSubtype="0" fill="hold" nodeType="afterEffect">
+                                  <p:stCondLst>
+                                    <p:cond delay="0"/>
+                                  </p:stCondLst>
+                                  <p:childTnLst>
+                                    <p:cmd type="call" cmd="playFrom(0.0)">
+                                      <p:cBhvr>
+                                        <p:cTn id="6" dur="1" fill="hold"/>
+                                        <p:tgtEl>
+                                          <p:spTgt spid="8"/>
+                                        </p:tgtEl>
+                                      </p:cBhvr>
+                                    </p:cmd>
+                                  </p:childTnLst>
+                                </p:cTn>
+                              </p:par>
+                            </p:childTnLst>
+                          </p:cTn>
+                        </p:par>
+                      </p:childTnLst>
+                    </p:cTn>
+                  </p:par>
+                </p:childTnLst>
+              </p:cTn>
+              <p:prevCondLst>
+                <p:cond evt="onPrev" delay="0">
+                  <p:tgtEl>
+                    <p:sldTgt/>
+                  </p:tgtEl>
+                </p:cond>
+              </p:prevCondLst>
+              <p:nextCondLst>
+                <p:cond evt="onNext" delay="0">
+                  <p:tgtEl>
+                    <p:sldTgt/>
+                  </p:tgtEl>
+                </p:cond>
+              </p:nextCondLst>
+            </p:seq>
+            <p:audio isNarration="1">
+              <p:cMediaNode vol="80000" showWhenStopped="0">
+                <p:cTn id="7" fill="hold" display="0">
+                  <p:stCondLst>
+                    <p:cond delay="indefinite"/>
+                  </p:stCondLst>
+                  <p:endCondLst>
+                    <p:cond evt="onStopAudio" delay="0">
+                      <p:tgtEl>
+                        <p:sldTgt/>
+                      </p:tgtEl>
+                    </p:cond>
+                  </p:endCondLst>
+                </p:cTn>
+                <p:tgtEl>
+                  <p:spTgt spid="8"/>
+                </p:tgtEl>
+              </p:cMediaNode>
+            </p:audio>
+          </p:childTnLst>
+        </p:cTn>
+      </p:par>
+    </p:tnLst>
+  </p:timing>
 </p:sld>
 </file>
 
@@ -6046,7 +7030,7 @@
           <p:nvPr/>
         </p:nvPicPr>
         <p:blipFill>
-          <a:blip r:embed="rId3"/>
+          <a:blip r:embed="rId5"/>
           <a:stretch>
             <a:fillRect/>
           </a:stretch>
@@ -6055,6 +7039,43 @@
           <a:xfrm>
             <a:off x="1360714" y="3042811"/>
             <a:ext cx="9851796" cy="3068745"/>
+          </a:xfrm>
+          <a:prstGeom prst="rect">
+            <a:avLst/>
+          </a:prstGeom>
+        </p:spPr>
+      </p:pic>
+      <p:pic>
+        <p:nvPicPr>
+          <p:cNvPr id="14" name="Audio 13">
+            <a:extLst>
+              <a:ext uri="{FF2B5EF4-FFF2-40B4-BE49-F238E27FC236}">
+                <a16:creationId xmlns:a16="http://schemas.microsoft.com/office/drawing/2014/main" id="{DE03CECC-77F5-C2AB-29BE-4DA20BF84B11}"/>
+              </a:ext>
+            </a:extLst>
+          </p:cNvPr>
+          <p:cNvPicPr>
+            <a:picLocks noChangeAspect="1"/>
+          </p:cNvPicPr>
+          <p:nvPr>
+            <a:audioFile r:link="rId2"/>
+            <p:extLst>
+              <p:ext uri="{DAA4B4D4-6D71-4841-9C94-3DE7FCFB9230}">
+                <p14:media xmlns:p14="http://schemas.microsoft.com/office/powerpoint/2010/main" r:embed="rId1"/>
+              </p:ext>
+            </p:extLst>
+          </p:nvPr>
+        </p:nvPicPr>
+        <p:blipFill>
+          <a:blip r:embed="rId6"/>
+          <a:stretch>
+            <a:fillRect/>
+          </a:stretch>
+        </p:blipFill>
+        <p:spPr>
+          <a:xfrm>
+            <a:off x="11226800" y="5892800"/>
+            <a:ext cx="812800" cy="812800"/>
           </a:xfrm>
           <a:prstGeom prst="rect">
             <a:avLst/>
@@ -6071,6 +7092,101 @@
   <p:clrMapOvr>
     <a:masterClrMapping/>
   </p:clrMapOvr>
+  <mc:AlternateContent xmlns:mc="http://schemas.openxmlformats.org/markup-compatibility/2006">
+    <mc:Choice xmlns:p14="http://schemas.microsoft.com/office/powerpoint/2010/main" Requires="p14">
+      <p:transition spd="slow" p14:dur="2000" advTm="23639"/>
+    </mc:Choice>
+    <mc:Fallback>
+      <p:transition spd="slow" advTm="23639"/>
+    </mc:Fallback>
+  </mc:AlternateContent>
+  <p:timing>
+    <p:tnLst>
+      <p:par>
+        <p:cTn id="1" dur="indefinite" restart="never" nodeType="tmRoot">
+          <p:childTnLst>
+            <p:seq concurrent="1" nextAc="seek">
+              <p:cTn id="2" dur="indefinite" nodeType="mainSeq">
+                <p:childTnLst>
+                  <p:par>
+                    <p:cTn id="3" fill="hold">
+                      <p:stCondLst>
+                        <p:cond delay="indefinite"/>
+                        <p:cond evt="onBegin" delay="0">
+                          <p:tn val="2"/>
+                        </p:cond>
+                      </p:stCondLst>
+                      <p:childTnLst>
+                        <p:par>
+                          <p:cTn id="4" fill="hold">
+                            <p:stCondLst>
+                              <p:cond delay="0"/>
+                            </p:stCondLst>
+                            <p:childTnLst>
+                              <p:par>
+                                <p:cTn id="5" presetID="1" presetClass="mediacall" presetSubtype="0" fill="hold" nodeType="afterEffect">
+                                  <p:stCondLst>
+                                    <p:cond delay="0"/>
+                                  </p:stCondLst>
+                                  <p:childTnLst>
+                                    <p:cmd type="call" cmd="playFrom(0.0)">
+                                      <p:cBhvr>
+                                        <p:cTn id="6" dur="1" fill="hold"/>
+                                        <p:tgtEl>
+                                          <p:spTgt spid="14"/>
+                                        </p:tgtEl>
+                                      </p:cBhvr>
+                                    </p:cmd>
+                                  </p:childTnLst>
+                                </p:cTn>
+                              </p:par>
+                            </p:childTnLst>
+                          </p:cTn>
+                        </p:par>
+                      </p:childTnLst>
+                    </p:cTn>
+                  </p:par>
+                </p:childTnLst>
+              </p:cTn>
+              <p:prevCondLst>
+                <p:cond evt="onPrev" delay="0">
+                  <p:tgtEl>
+                    <p:sldTgt/>
+                  </p:tgtEl>
+                </p:cond>
+              </p:prevCondLst>
+              <p:nextCondLst>
+                <p:cond evt="onNext" delay="0">
+                  <p:tgtEl>
+                    <p:sldTgt/>
+                  </p:tgtEl>
+                </p:cond>
+              </p:nextCondLst>
+            </p:seq>
+            <p:audio isNarration="1">
+              <p:cMediaNode vol="80000" showWhenStopped="0">
+                <p:cTn id="7" fill="hold" display="0">
+                  <p:stCondLst>
+                    <p:cond delay="indefinite"/>
+                  </p:stCondLst>
+                  <p:endCondLst>
+                    <p:cond evt="onStopAudio" delay="0">
+                      <p:tgtEl>
+                        <p:sldTgt/>
+                      </p:tgtEl>
+                    </p:cond>
+                  </p:endCondLst>
+                </p:cTn>
+                <p:tgtEl>
+                  <p:spTgt spid="14"/>
+                </p:tgtEl>
+              </p:cMediaNode>
+            </p:audio>
+          </p:childTnLst>
+        </p:cTn>
+      </p:par>
+    </p:tnLst>
+  </p:timing>
 </p:sld>
 </file>
 
@@ -6188,143 +7304,6 @@
     <p:extLst>
       <p:ext uri="{BB962C8B-B14F-4D97-AF65-F5344CB8AC3E}">
         <p14:creationId xmlns:p14="http://schemas.microsoft.com/office/powerpoint/2010/main" val="1466946448"/>
-      </p:ext>
-    </p:extLst>
-  </p:cSld>
-  <p:clrMapOvr>
-    <a:masterClrMapping/>
-  </p:clrMapOvr>
-</p:sld>
-</file>
-
-<file path=ppt/slides/slide8.xml><?xml version="1.0" encoding="utf-8"?>
-<p:sld xmlns:a="http://schemas.openxmlformats.org/drawingml/2006/main" xmlns:r="http://schemas.openxmlformats.org/officeDocument/2006/relationships" xmlns:p="http://schemas.openxmlformats.org/presentationml/2006/main">
-  <p:cSld>
-    <p:spTree>
-      <p:nvGrpSpPr>
-        <p:cNvPr id="1" name=""/>
-        <p:cNvGrpSpPr/>
-        <p:nvPr/>
-      </p:nvGrpSpPr>
-      <p:grpSpPr>
-        <a:xfrm>
-          <a:off x="0" y="0"/>
-          <a:ext cx="0" cy="0"/>
-          <a:chOff x="0" y="0"/>
-          <a:chExt cx="0" cy="0"/>
-        </a:xfrm>
-      </p:grpSpPr>
-      <p:sp>
-        <p:nvSpPr>
-          <p:cNvPr id="2" name="Title 1">
-            <a:extLst>
-              <a:ext uri="{FF2B5EF4-FFF2-40B4-BE49-F238E27FC236}">
-                <a16:creationId xmlns:a16="http://schemas.microsoft.com/office/drawing/2014/main" id="{EE1D4CA7-7C2D-D4DA-757A-7146B7E7C873}"/>
-              </a:ext>
-            </a:extLst>
-          </p:cNvPr>
-          <p:cNvSpPr>
-            <a:spLocks noGrp="1"/>
-          </p:cNvSpPr>
-          <p:nvPr>
-            <p:ph type="title"/>
-          </p:nvPr>
-        </p:nvSpPr>
-        <p:spPr/>
-        <p:txBody>
-          <a:bodyPr/>
-          <a:lstStyle/>
-          <a:p>
-            <a:endParaRPr lang="en-US"/>
-          </a:p>
-        </p:txBody>
-      </p:sp>
-      <p:sp>
-        <p:nvSpPr>
-          <p:cNvPr id="3" name="Content Placeholder 2">
-            <a:extLst>
-              <a:ext uri="{FF2B5EF4-FFF2-40B4-BE49-F238E27FC236}">
-                <a16:creationId xmlns:a16="http://schemas.microsoft.com/office/drawing/2014/main" id="{1C523872-B18F-4415-5B02-3D68109B1E35}"/>
-              </a:ext>
-            </a:extLst>
-          </p:cNvPr>
-          <p:cNvSpPr>
-            <a:spLocks noGrp="1"/>
-          </p:cNvSpPr>
-          <p:nvPr>
-            <p:ph idx="1"/>
-          </p:nvPr>
-        </p:nvSpPr>
-        <p:spPr/>
-        <p:txBody>
-          <a:bodyPr/>
-          <a:lstStyle/>
-          <a:p>
-            <a:endParaRPr lang="en-US"/>
-          </a:p>
-        </p:txBody>
-      </p:sp>
-      <p:sp>
-        <p:nvSpPr>
-          <p:cNvPr id="4" name="Slide Number Placeholder 3">
-            <a:extLst>
-              <a:ext uri="{FF2B5EF4-FFF2-40B4-BE49-F238E27FC236}">
-                <a16:creationId xmlns:a16="http://schemas.microsoft.com/office/drawing/2014/main" id="{83BE866B-3859-FD1F-2C37-217D97BEF81C}"/>
-              </a:ext>
-            </a:extLst>
-          </p:cNvPr>
-          <p:cNvSpPr>
-            <a:spLocks noGrp="1"/>
-          </p:cNvSpPr>
-          <p:nvPr>
-            <p:ph type="sldNum" sz="quarter" idx="12"/>
-          </p:nvPr>
-        </p:nvSpPr>
-        <p:spPr/>
-        <p:txBody>
-          <a:bodyPr/>
-          <a:lstStyle/>
-          <a:p>
-            <a:fld id="{FD43A098-DE63-E048-99F5-4E17AB970AEE}" type="slidenum">
-              <a:rPr lang="en-US" smtClean="0"/>
-              <a:t>8</a:t>
-            </a:fld>
-            <a:endParaRPr lang="en-US"/>
-          </a:p>
-        </p:txBody>
-      </p:sp>
-      <p:sp>
-        <p:nvSpPr>
-          <p:cNvPr id="5" name="Footer Placeholder 4">
-            <a:extLst>
-              <a:ext uri="{FF2B5EF4-FFF2-40B4-BE49-F238E27FC236}">
-                <a16:creationId xmlns:a16="http://schemas.microsoft.com/office/drawing/2014/main" id="{3B76AF32-40FF-D325-DA25-6FBDE61E1206}"/>
-              </a:ext>
-            </a:extLst>
-          </p:cNvPr>
-          <p:cNvSpPr>
-            <a:spLocks noGrp="1"/>
-          </p:cNvSpPr>
-          <p:nvPr>
-            <p:ph type="ftr" sz="quarter" idx="11"/>
-          </p:nvPr>
-        </p:nvSpPr>
-        <p:spPr/>
-        <p:txBody>
-          <a:bodyPr/>
-          <a:lstStyle/>
-          <a:p>
-            <a:r>
-              <a:rPr lang="en-US"/>
-              <a:t>Sentiment anaysis on Amazon reviews</a:t>
-            </a:r>
-          </a:p>
-        </p:txBody>
-      </p:sp>
-    </p:spTree>
-    <p:extLst>
-      <p:ext uri="{BB962C8B-B14F-4D97-AF65-F5344CB8AC3E}">
-        <p14:creationId xmlns:p14="http://schemas.microsoft.com/office/powerpoint/2010/main" val="75392321"/>
       </p:ext>
     </p:extLst>
   </p:cSld>
